--- a/Microsoft Clarity.pptx
+++ b/Microsoft Clarity.pptx
@@ -12,10 +12,12 @@
     <p:sldId id="260" r:id="rId6"/>
     <p:sldId id="261" r:id="rId7"/>
     <p:sldId id="262" r:id="rId8"/>
-    <p:sldId id="263" r:id="rId9"/>
-    <p:sldId id="264" r:id="rId10"/>
-    <p:sldId id="265" r:id="rId11"/>
-    <p:sldId id="266" r:id="rId12"/>
+    <p:sldId id="267" r:id="rId9"/>
+    <p:sldId id="263" r:id="rId10"/>
+    <p:sldId id="268" r:id="rId11"/>
+    <p:sldId id="265" r:id="rId12"/>
+    <p:sldId id="264" r:id="rId13"/>
+    <p:sldId id="266" r:id="rId14"/>
   </p:sldIdLst>
   <p:sldSz cx="12192000" cy="6858000"/>
   <p:notesSz cx="6858000" cy="9144000"/>
@@ -114,6 +116,11 @@
       </a:defRPr>
     </a:lvl9pPr>
   </p:defaultTextStyle>
+  <p:extLst>
+    <p:ext uri="{EFAFB233-063F-42B5-8137-9DF3F51BA10A}">
+      <p15:sldGuideLst xmlns:p15="http://schemas.microsoft.com/office/powerpoint/2012/main"/>
+    </p:ext>
+  </p:extLst>
 </p:presentation>
 </file>
 
@@ -520,7 +527,7 @@
           <a:p>
             <a:fld id="{F702AC97-596D-45A4-98B8-FCF55D5CBCC0}" type="datetimeFigureOut">
               <a:rPr lang="en-US" smtClean="0"/>
-              <a:t>2/10/2024</a:t>
+              <a:t>2/12/2024</a:t>
             </a:fld>
             <a:endParaRPr lang="en-US"/>
           </a:p>
@@ -699,7 +706,7 @@
           <a:p>
             <a:fld id="{F702AC97-596D-45A4-98B8-FCF55D5CBCC0}" type="datetimeFigureOut">
               <a:rPr lang="en-US" smtClean="0"/>
-              <a:t>2/10/2024</a:t>
+              <a:t>2/12/2024</a:t>
             </a:fld>
             <a:endParaRPr lang="en-US"/>
           </a:p>
@@ -879,7 +886,7 @@
           <a:p>
             <a:fld id="{F702AC97-596D-45A4-98B8-FCF55D5CBCC0}" type="datetimeFigureOut">
               <a:rPr lang="en-US" smtClean="0"/>
-              <a:t>2/10/2024</a:t>
+              <a:t>2/12/2024</a:t>
             </a:fld>
             <a:endParaRPr lang="en-US"/>
           </a:p>
@@ -1049,7 +1056,7 @@
           <a:p>
             <a:fld id="{F702AC97-596D-45A4-98B8-FCF55D5CBCC0}" type="datetimeFigureOut">
               <a:rPr lang="en-US" smtClean="0"/>
-              <a:t>2/10/2024</a:t>
+              <a:t>2/12/2024</a:t>
             </a:fld>
             <a:endParaRPr lang="en-US"/>
           </a:p>
@@ -1362,7 +1369,7 @@
           <a:p>
             <a:fld id="{F702AC97-596D-45A4-98B8-FCF55D5CBCC0}" type="datetimeFigureOut">
               <a:rPr lang="en-US" smtClean="0"/>
-              <a:t>2/10/2024</a:t>
+              <a:t>2/12/2024</a:t>
             </a:fld>
             <a:endParaRPr lang="en-US"/>
           </a:p>
@@ -1748,7 +1755,7 @@
           <a:p>
             <a:fld id="{F702AC97-596D-45A4-98B8-FCF55D5CBCC0}" type="datetimeFigureOut">
               <a:rPr lang="en-US" smtClean="0"/>
-              <a:t>2/10/2024</a:t>
+              <a:t>2/12/2024</a:t>
             </a:fld>
             <a:endParaRPr lang="en-US"/>
           </a:p>
@@ -2182,7 +2189,7 @@
           <a:p>
             <a:fld id="{F702AC97-596D-45A4-98B8-FCF55D5CBCC0}" type="datetimeFigureOut">
               <a:rPr lang="en-US" smtClean="0"/>
-              <a:t>2/10/2024</a:t>
+              <a:t>2/12/2024</a:t>
             </a:fld>
             <a:endParaRPr lang="en-US"/>
           </a:p>
@@ -2300,7 +2307,7 @@
           <a:p>
             <a:fld id="{F702AC97-596D-45A4-98B8-FCF55D5CBCC0}" type="datetimeFigureOut">
               <a:rPr lang="en-US" smtClean="0"/>
-              <a:t>2/10/2024</a:t>
+              <a:t>2/12/2024</a:t>
             </a:fld>
             <a:endParaRPr lang="en-US"/>
           </a:p>
@@ -2395,7 +2402,7 @@
           <a:p>
             <a:fld id="{F702AC97-596D-45A4-98B8-FCF55D5CBCC0}" type="datetimeFigureOut">
               <a:rPr lang="en-US" smtClean="0"/>
-              <a:t>2/10/2024</a:t>
+              <a:t>2/12/2024</a:t>
             </a:fld>
             <a:endParaRPr lang="en-US"/>
           </a:p>
@@ -2745,7 +2752,7 @@
           <a:p>
             <a:fld id="{F702AC97-596D-45A4-98B8-FCF55D5CBCC0}" type="datetimeFigureOut">
               <a:rPr lang="en-US" smtClean="0"/>
-              <a:t>2/10/2024</a:t>
+              <a:t>2/12/2024</a:t>
             </a:fld>
             <a:endParaRPr lang="en-US"/>
           </a:p>
@@ -3170,7 +3177,7 @@
           <a:p>
             <a:fld id="{F702AC97-596D-45A4-98B8-FCF55D5CBCC0}" type="datetimeFigureOut">
               <a:rPr lang="en-US" smtClean="0"/>
-              <a:t>2/10/2024</a:t>
+              <a:t>2/12/2024</a:t>
             </a:fld>
             <a:endParaRPr lang="en-US"/>
           </a:p>
@@ -3451,7 +3458,7 @@
           <a:p>
             <a:fld id="{F702AC97-596D-45A4-98B8-FCF55D5CBCC0}" type="datetimeFigureOut">
               <a:rPr lang="en-US" smtClean="0"/>
-              <a:t>2/10/2024</a:t>
+              <a:t>2/12/2024</a:t>
             </a:fld>
             <a:endParaRPr lang="en-US"/>
           </a:p>
@@ -4150,6 +4157,387 @@
           <p:cNvPr id="2" name="Title 1">
             <a:extLst>
               <a:ext uri="{FF2B5EF4-FFF2-40B4-BE49-F238E27FC236}">
+                <a16:creationId xmlns:a16="http://schemas.microsoft.com/office/drawing/2014/main" id="{75D4ED0A-3DC1-2594-0579-68E7111C8F3C}"/>
+              </a:ext>
+            </a:extLst>
+          </p:cNvPr>
+          <p:cNvSpPr>
+            <a:spLocks noGrp="1"/>
+          </p:cNvSpPr>
+          <p:nvPr>
+            <p:ph type="title"/>
+          </p:nvPr>
+        </p:nvSpPr>
+        <p:spPr>
+          <a:xfrm>
+            <a:off x="1069848" y="484632"/>
+            <a:ext cx="10058400" cy="879934"/>
+          </a:xfrm>
+        </p:spPr>
+        <p:txBody>
+          <a:bodyPr/>
+          <a:lstStyle/>
+          <a:p>
+            <a:r>
+              <a:rPr lang="en-US" dirty="0"/>
+              <a:t>User Behavior</a:t>
+            </a:r>
+          </a:p>
+        </p:txBody>
+      </p:sp>
+      <p:sp>
+        <p:nvSpPr>
+          <p:cNvPr id="3" name="Content Placeholder 2">
+            <a:extLst>
+              <a:ext uri="{FF2B5EF4-FFF2-40B4-BE49-F238E27FC236}">
+                <a16:creationId xmlns:a16="http://schemas.microsoft.com/office/drawing/2014/main" id="{8490D62B-A8C1-D799-C4B6-99808C89CF61}"/>
+              </a:ext>
+            </a:extLst>
+          </p:cNvPr>
+          <p:cNvSpPr>
+            <a:spLocks noGrp="1"/>
+          </p:cNvSpPr>
+          <p:nvPr>
+            <p:ph idx="1"/>
+          </p:nvPr>
+        </p:nvSpPr>
+        <p:spPr>
+          <a:xfrm>
+            <a:off x="1069848" y="1364566"/>
+            <a:ext cx="6653315" cy="4807634"/>
+          </a:xfrm>
+        </p:spPr>
+        <p:txBody>
+          <a:bodyPr>
+            <a:normAutofit fontScale="85000" lnSpcReduction="20000"/>
+          </a:bodyPr>
+          <a:lstStyle/>
+          <a:p>
+            <a:r>
+              <a:rPr lang="en-US" dirty="0"/>
+              <a:t>Users on desktop devices scrolled down the page until the end, with a slight drop-off at 35% and 95% scroll depth.</a:t>
+            </a:r>
+          </a:p>
+          <a:p>
+            <a:r>
+              <a:rPr lang="en-US" dirty="0"/>
+              <a:t>Users on desktop devices clicked mostly on the Home and About Us links in the main menu, and on the Learn More button in the hero section.</a:t>
+            </a:r>
+          </a:p>
+          <a:p>
+            <a:r>
+              <a:rPr lang="en-US" dirty="0"/>
+              <a:t>Users on desktop devices also clicked repeatedly on the Home link, indicating frustration or confusion, and on some text and image elements that are not clickable, such as the Music and Pictures sections.</a:t>
+            </a:r>
+          </a:p>
+          <a:p>
+            <a:r>
+              <a:rPr lang="en-US" dirty="0"/>
+              <a:t>Users on mobile devices scrolled down the page until the end, with a significant drop-off at 90% and 100% scroll depth.</a:t>
+            </a:r>
+          </a:p>
+          <a:p>
+            <a:r>
+              <a:rPr lang="en-US" dirty="0"/>
+              <a:t>Users on mobile devices clicked mostly on the Mobile menu icon and the Hero section, and on some text elements that are not clickable, such as the Music section.</a:t>
+            </a:r>
+          </a:p>
+          <a:p>
+            <a:r>
+              <a:rPr lang="en-US" dirty="0"/>
+              <a:t>Users on mobile devices also clicked repeatedly on the Hero section, indicating frustration or confusion, and on an empty element [?hash=1951m96yh], suggesting a possible error or bug.</a:t>
+            </a:r>
+          </a:p>
+          <a:p>
+            <a:r>
+              <a:rPr lang="en-US" dirty="0"/>
+              <a:t>Users on tablet devices did not visit or interact with the page at all, suggesting a lack of interest or compatibility.</a:t>
+            </a:r>
+          </a:p>
+        </p:txBody>
+      </p:sp>
+      <p:pic>
+        <p:nvPicPr>
+          <p:cNvPr id="5" name="Picture 4">
+            <a:extLst>
+              <a:ext uri="{FF2B5EF4-FFF2-40B4-BE49-F238E27FC236}">
+                <a16:creationId xmlns:a16="http://schemas.microsoft.com/office/drawing/2014/main" id="{69AB8281-B4DE-0E92-88BF-2539BC710847}"/>
+              </a:ext>
+            </a:extLst>
+          </p:cNvPr>
+          <p:cNvPicPr>
+            <a:picLocks noChangeAspect="1"/>
+          </p:cNvPicPr>
+          <p:nvPr/>
+        </p:nvPicPr>
+        <p:blipFill>
+          <a:blip r:embed="rId2">
+            <a:extLst>
+              <a:ext uri="{28A0092B-C50C-407E-A947-70E740481C1C}">
+                <a14:useLocalDpi xmlns:a14="http://schemas.microsoft.com/office/drawing/2010/main" val="0"/>
+              </a:ext>
+            </a:extLst>
+          </a:blip>
+          <a:stretch>
+            <a:fillRect/>
+          </a:stretch>
+        </p:blipFill>
+        <p:spPr>
+          <a:xfrm>
+            <a:off x="8018584" y="484632"/>
+            <a:ext cx="3535464" cy="1607234"/>
+          </a:xfrm>
+          <a:prstGeom prst="rect">
+            <a:avLst/>
+          </a:prstGeom>
+        </p:spPr>
+      </p:pic>
+      <p:pic>
+        <p:nvPicPr>
+          <p:cNvPr id="7" name="Picture 6">
+            <a:extLst>
+              <a:ext uri="{FF2B5EF4-FFF2-40B4-BE49-F238E27FC236}">
+                <a16:creationId xmlns:a16="http://schemas.microsoft.com/office/drawing/2014/main" id="{F3A4FFE7-7335-C3D5-7857-E98CBFE2CD5A}"/>
+              </a:ext>
+            </a:extLst>
+          </p:cNvPr>
+          <p:cNvPicPr>
+            <a:picLocks noChangeAspect="1"/>
+          </p:cNvPicPr>
+          <p:nvPr/>
+        </p:nvPicPr>
+        <p:blipFill>
+          <a:blip r:embed="rId3">
+            <a:extLst>
+              <a:ext uri="{28A0092B-C50C-407E-A947-70E740481C1C}">
+                <a14:useLocalDpi xmlns:a14="http://schemas.microsoft.com/office/drawing/2010/main" val="0"/>
+              </a:ext>
+            </a:extLst>
+          </a:blip>
+          <a:stretch>
+            <a:fillRect/>
+          </a:stretch>
+        </p:blipFill>
+        <p:spPr>
+          <a:xfrm>
+            <a:off x="8018584" y="2529368"/>
+            <a:ext cx="3535464" cy="1607234"/>
+          </a:xfrm>
+          <a:prstGeom prst="rect">
+            <a:avLst/>
+          </a:prstGeom>
+        </p:spPr>
+      </p:pic>
+      <p:pic>
+        <p:nvPicPr>
+          <p:cNvPr id="9" name="Picture 8">
+            <a:extLst>
+              <a:ext uri="{FF2B5EF4-FFF2-40B4-BE49-F238E27FC236}">
+                <a16:creationId xmlns:a16="http://schemas.microsoft.com/office/drawing/2014/main" id="{ED6092FD-BA6B-BAA6-6975-A44FDAC859E2}"/>
+              </a:ext>
+            </a:extLst>
+          </p:cNvPr>
+          <p:cNvPicPr>
+            <a:picLocks noChangeAspect="1"/>
+          </p:cNvPicPr>
+          <p:nvPr/>
+        </p:nvPicPr>
+        <p:blipFill>
+          <a:blip r:embed="rId4">
+            <a:extLst>
+              <a:ext uri="{28A0092B-C50C-407E-A947-70E740481C1C}">
+                <a14:useLocalDpi xmlns:a14="http://schemas.microsoft.com/office/drawing/2010/main" val="0"/>
+              </a:ext>
+            </a:extLst>
+          </a:blip>
+          <a:stretch>
+            <a:fillRect/>
+          </a:stretch>
+        </p:blipFill>
+        <p:spPr>
+          <a:xfrm>
+            <a:off x="8018584" y="4564966"/>
+            <a:ext cx="3535464" cy="1607234"/>
+          </a:xfrm>
+          <a:prstGeom prst="rect">
+            <a:avLst/>
+          </a:prstGeom>
+        </p:spPr>
+      </p:pic>
+      <p:sp>
+        <p:nvSpPr>
+          <p:cNvPr id="10" name="TextBox 9">
+            <a:extLst>
+              <a:ext uri="{FF2B5EF4-FFF2-40B4-BE49-F238E27FC236}">
+                <a16:creationId xmlns:a16="http://schemas.microsoft.com/office/drawing/2014/main" id="{B33FD77D-C213-33CE-6A73-2552F61AEA0E}"/>
+              </a:ext>
+            </a:extLst>
+          </p:cNvPr>
+          <p:cNvSpPr txBox="1"/>
+          <p:nvPr/>
+        </p:nvSpPr>
+        <p:spPr>
+          <a:xfrm>
+            <a:off x="8533696" y="2125951"/>
+            <a:ext cx="2588456" cy="369332"/>
+          </a:xfrm>
+          <a:prstGeom prst="rect">
+            <a:avLst/>
+          </a:prstGeom>
+          <a:noFill/>
+        </p:spPr>
+        <p:txBody>
+          <a:bodyPr wrap="square" rtlCol="0">
+            <a:spAutoFit/>
+          </a:bodyPr>
+          <a:lstStyle/>
+          <a:p>
+            <a:r>
+              <a:rPr lang="en-US" dirty="0"/>
+              <a:t>100% users - Scrolling</a:t>
+            </a:r>
+          </a:p>
+        </p:txBody>
+      </p:sp>
+      <p:sp>
+        <p:nvSpPr>
+          <p:cNvPr id="11" name="TextBox 10">
+            <a:extLst>
+              <a:ext uri="{FF2B5EF4-FFF2-40B4-BE49-F238E27FC236}">
+                <a16:creationId xmlns:a16="http://schemas.microsoft.com/office/drawing/2014/main" id="{4C74CC79-383E-12A5-83E0-EA8AB90442F4}"/>
+              </a:ext>
+            </a:extLst>
+          </p:cNvPr>
+          <p:cNvSpPr txBox="1"/>
+          <p:nvPr/>
+        </p:nvSpPr>
+        <p:spPr>
+          <a:xfrm>
+            <a:off x="8533696" y="4048568"/>
+            <a:ext cx="2785404" cy="369332"/>
+          </a:xfrm>
+          <a:prstGeom prst="rect">
+            <a:avLst/>
+          </a:prstGeom>
+          <a:noFill/>
+        </p:spPr>
+        <p:txBody>
+          <a:bodyPr wrap="square" rtlCol="0">
+            <a:spAutoFit/>
+          </a:bodyPr>
+          <a:lstStyle/>
+          <a:p>
+            <a:r>
+              <a:rPr lang="en-US" dirty="0"/>
+              <a:t>81.48% users - Scrolling</a:t>
+            </a:r>
+          </a:p>
+        </p:txBody>
+      </p:sp>
+      <p:sp>
+        <p:nvSpPr>
+          <p:cNvPr id="12" name="TextBox 11">
+            <a:extLst>
+              <a:ext uri="{FF2B5EF4-FFF2-40B4-BE49-F238E27FC236}">
+                <a16:creationId xmlns:a16="http://schemas.microsoft.com/office/drawing/2014/main" id="{A73EE77C-E13A-6CC8-6C46-6A91D3A4B677}"/>
+              </a:ext>
+            </a:extLst>
+          </p:cNvPr>
+          <p:cNvSpPr txBox="1"/>
+          <p:nvPr/>
+        </p:nvSpPr>
+        <p:spPr>
+          <a:xfrm>
+            <a:off x="8533696" y="6134600"/>
+            <a:ext cx="2785404" cy="369332"/>
+          </a:xfrm>
+          <a:prstGeom prst="rect">
+            <a:avLst/>
+          </a:prstGeom>
+          <a:noFill/>
+        </p:spPr>
+        <p:txBody>
+          <a:bodyPr wrap="square" rtlCol="0">
+            <a:spAutoFit/>
+          </a:bodyPr>
+          <a:lstStyle/>
+          <a:p>
+            <a:r>
+              <a:rPr lang="en-US" dirty="0"/>
+              <a:t>75% users - Scrolling</a:t>
+            </a:r>
+          </a:p>
+        </p:txBody>
+      </p:sp>
+    </p:spTree>
+    <p:extLst>
+      <p:ext uri="{BB962C8B-B14F-4D97-AF65-F5344CB8AC3E}">
+        <p14:creationId xmlns:p14="http://schemas.microsoft.com/office/powerpoint/2010/main" val="3698213524"/>
+      </p:ext>
+    </p:extLst>
+  </p:cSld>
+  <p:clrMapOvr>
+    <a:masterClrMapping/>
+  </p:clrMapOvr>
+</p:sld>
+</file>
+
+<file path=ppt/slides/slide11.xml><?xml version="1.0" encoding="utf-8"?>
+<p:sld xmlns:a="http://schemas.openxmlformats.org/drawingml/2006/main" xmlns:r="http://schemas.openxmlformats.org/officeDocument/2006/relationships" xmlns:p="http://schemas.openxmlformats.org/presentationml/2006/main">
+  <p:cSld>
+    <p:bg>
+      <p:bgPr>
+        <a:gradFill>
+          <a:gsLst>
+            <a:gs pos="0">
+              <a:schemeClr val="accent1">
+                <a:lumMod val="5000"/>
+                <a:lumOff val="95000"/>
+              </a:schemeClr>
+            </a:gs>
+            <a:gs pos="74000">
+              <a:schemeClr val="accent1">
+                <a:lumMod val="45000"/>
+                <a:lumOff val="55000"/>
+              </a:schemeClr>
+            </a:gs>
+            <a:gs pos="83000">
+              <a:schemeClr val="accent1">
+                <a:lumMod val="45000"/>
+                <a:lumOff val="55000"/>
+              </a:schemeClr>
+            </a:gs>
+            <a:gs pos="100000">
+              <a:schemeClr val="accent1">
+                <a:lumMod val="30000"/>
+                <a:lumOff val="70000"/>
+              </a:schemeClr>
+            </a:gs>
+          </a:gsLst>
+          <a:lin ang="5400000" scaled="1"/>
+        </a:gradFill>
+        <a:effectLst/>
+      </p:bgPr>
+    </p:bg>
+    <p:spTree>
+      <p:nvGrpSpPr>
+        <p:cNvPr id="1" name=""/>
+        <p:cNvGrpSpPr/>
+        <p:nvPr/>
+      </p:nvGrpSpPr>
+      <p:grpSpPr>
+        <a:xfrm>
+          <a:off x="0" y="0"/>
+          <a:ext cx="0" cy="0"/>
+          <a:chOff x="0" y="0"/>
+          <a:chExt cx="0" cy="0"/>
+        </a:xfrm>
+      </p:grpSpPr>
+      <p:sp>
+        <p:nvSpPr>
+          <p:cNvPr id="2" name="Title 1">
+            <a:extLst>
+              <a:ext uri="{FF2B5EF4-FFF2-40B4-BE49-F238E27FC236}">
                 <a16:creationId xmlns:a16="http://schemas.microsoft.com/office/drawing/2014/main" id="{FFED6327-83DC-3652-0AE1-6D6B29DA47DD}"/>
               </a:ext>
             </a:extLst>
@@ -4201,105 +4589,81 @@
           </a:xfrm>
         </p:spPr>
         <p:txBody>
-          <a:bodyPr/>
+          <a:bodyPr>
+            <a:normAutofit lnSpcReduction="10000"/>
+          </a:bodyPr>
           <a:lstStyle/>
           <a:p>
-            <a:r>
-              <a:rPr lang="en-US" b="1" i="0" dirty="0">
+            <a:pPr marL="0" indent="0">
+              <a:buNone/>
+            </a:pPr>
+            <a:r>
+              <a:rPr lang="en-US" i="0" dirty="0">
                 <a:solidFill>
                   <a:srgbClr val="0D0D0D"/>
                 </a:solidFill>
                 <a:effectLst/>
                 <a:latin typeface="Rockwell(body)"/>
               </a:rPr>
-              <a:t>Dead Clicks Analysis:</a:t>
-            </a:r>
-            <a:endParaRPr lang="en-US" b="0" i="0" dirty="0">
-              <a:solidFill>
-                <a:srgbClr val="0D0D0D"/>
-              </a:solidFill>
-              <a:effectLst/>
-              <a:latin typeface="Rockwell(body)"/>
-            </a:endParaRPr>
-          </a:p>
-          <a:p>
-            <a:pPr marL="742950" lvl="1" indent="-285750"/>
-            <a:r>
-              <a:rPr lang="en-US" b="0" i="0" dirty="0">
+              <a:t>To improve the user experience and engagement:-</a:t>
+            </a:r>
+          </a:p>
+          <a:p>
+            <a:r>
+              <a:rPr lang="en-US" dirty="0">
+                <a:solidFill>
+                  <a:srgbClr val="0D0D0D"/>
+                </a:solidFill>
+                <a:latin typeface="Rockwell(body)"/>
+              </a:rPr>
+              <a:t>T</a:t>
+            </a:r>
+            <a:r>
+              <a:rPr lang="en-US" i="0" dirty="0">
                 <a:solidFill>
                   <a:srgbClr val="0D0D0D"/>
                 </a:solidFill>
                 <a:effectLst/>
                 <a:latin typeface="Rockwell(body)"/>
               </a:rPr>
-              <a:t>Investigate the areas where dead clicks occurred. Optimize elements to ensure they are responsive and functional.</a:t>
-            </a:r>
-          </a:p>
-          <a:p>
-            <a:r>
-              <a:rPr lang="en-US" b="1" i="0" dirty="0">
+              <a:t>he website could use more clear and consistent call-to-action buttons, such as Final resource and Cool stuff, and avoid using text and images that look like links but are not clickable, such as the Music and Pictures sections.</a:t>
+            </a:r>
+          </a:p>
+          <a:p>
+            <a:r>
+              <a:rPr lang="en-US" i="0" dirty="0">
                 <a:solidFill>
                   <a:srgbClr val="0D0D0D"/>
                 </a:solidFill>
                 <a:effectLst/>
                 <a:latin typeface="Rockwell(body)"/>
               </a:rPr>
-              <a:t>Quick Backs Understanding:</a:t>
-            </a:r>
-            <a:endParaRPr lang="en-US" b="0" i="0" dirty="0">
-              <a:solidFill>
-                <a:srgbClr val="0D0D0D"/>
-              </a:solidFill>
-              <a:effectLst/>
-              <a:latin typeface="Rockwell(body)"/>
-            </a:endParaRPr>
-          </a:p>
-          <a:p>
-            <a:pPr marL="742950" lvl="1" indent="-285750"/>
-            <a:r>
-              <a:rPr lang="en-US" b="0" i="0" dirty="0">
+              <a:t>To showcase the website's features and benefits, the website could use more compelling and relevant content, such as testimonials, case studies, or videos, and avoid using filler text, such as "It is a long established fact that a reader will be distracted by the readable content".</a:t>
+            </a:r>
+          </a:p>
+          <a:p>
+            <a:r>
+              <a:rPr lang="en-US" i="0" dirty="0">
                 <a:solidFill>
                   <a:srgbClr val="0D0D0D"/>
                 </a:solidFill>
                 <a:effectLst/>
                 <a:latin typeface="Rockwell(body)"/>
               </a:rPr>
-              <a:t>Analyze the content or pages that resulted in quick backs. Identify potential issues and enhance user engagement.</a:t>
-            </a:r>
-          </a:p>
-          <a:p>
-            <a:r>
-              <a:rPr lang="en-US" b="1" i="0" dirty="0">
+              <a:t>To optimize the website for mobile devices, the website could use a responsive design that adapts to different screen sizes and orientations, and fix any errors or bugs that may prevent users from accessing or clicking on certain elements.</a:t>
+            </a:r>
+          </a:p>
+          <a:p>
+            <a:r>
+              <a:rPr lang="en-US" i="0" dirty="0">
                 <a:solidFill>
                   <a:srgbClr val="0D0D0D"/>
                 </a:solidFill>
                 <a:effectLst/>
                 <a:latin typeface="Rockwell(body)"/>
               </a:rPr>
-              <a:t>LCP Improvement:</a:t>
-            </a:r>
-            <a:endParaRPr lang="en-US" b="0" i="0" dirty="0">
-              <a:solidFill>
-                <a:srgbClr val="0D0D0D"/>
-              </a:solidFill>
-              <a:effectLst/>
-              <a:latin typeface="Rockwell(body)"/>
-            </a:endParaRPr>
-          </a:p>
-          <a:p>
-            <a:pPr marL="742950" lvl="1" indent="-285750"/>
-            <a:r>
-              <a:rPr lang="en-US" b="0" i="0" dirty="0">
-                <a:solidFill>
-                  <a:srgbClr val="0D0D0D"/>
-                </a:solidFill>
-                <a:effectLst/>
-                <a:latin typeface="Rockwell(body)"/>
-              </a:rPr>
-              <a:t>Although LCP is good, consider optimizing further for a faster loading experience, especially for users with slower internet connections.</a:t>
-            </a:r>
-          </a:p>
-          <a:p>
+              <a:t>To increase the website's reach and visibility, the website could use more effective marketing strategies and channels to attract and retain tablet users, such as social media, email, or ads, and ensure that the website is compatible and accessible on different browsers and devices.</a:t>
+            </a:r>
             <a:endParaRPr lang="en-US" dirty="0">
               <a:latin typeface="Rockwell(body)"/>
             </a:endParaRPr>
@@ -4319,7 +4683,757 @@
 </p:sld>
 </file>
 
-<file path=ppt/slides/slide11.xml><?xml version="1.0" encoding="utf-8"?>
+<file path=ppt/slides/slide12.xml><?xml version="1.0" encoding="utf-8"?>
+<p:sld xmlns:a="http://schemas.openxmlformats.org/drawingml/2006/main" xmlns:r="http://schemas.openxmlformats.org/officeDocument/2006/relationships" xmlns:p="http://schemas.openxmlformats.org/presentationml/2006/main">
+  <p:cSld>
+    <p:bg>
+      <p:bgPr>
+        <a:gradFill>
+          <a:gsLst>
+            <a:gs pos="0">
+              <a:schemeClr val="accent1">
+                <a:lumMod val="5000"/>
+                <a:lumOff val="95000"/>
+              </a:schemeClr>
+            </a:gs>
+            <a:gs pos="74000">
+              <a:schemeClr val="accent1">
+                <a:lumMod val="45000"/>
+                <a:lumOff val="55000"/>
+              </a:schemeClr>
+            </a:gs>
+            <a:gs pos="83000">
+              <a:schemeClr val="accent1">
+                <a:lumMod val="45000"/>
+                <a:lumOff val="55000"/>
+              </a:schemeClr>
+            </a:gs>
+            <a:gs pos="100000">
+              <a:schemeClr val="accent1">
+                <a:lumMod val="30000"/>
+                <a:lumOff val="70000"/>
+              </a:schemeClr>
+            </a:gs>
+          </a:gsLst>
+          <a:lin ang="5400000" scaled="1"/>
+        </a:gradFill>
+        <a:effectLst/>
+      </p:bgPr>
+    </p:bg>
+    <p:spTree>
+      <p:nvGrpSpPr>
+        <p:cNvPr id="1" name=""/>
+        <p:cNvGrpSpPr/>
+        <p:nvPr/>
+      </p:nvGrpSpPr>
+      <p:grpSpPr>
+        <a:xfrm>
+          <a:off x="0" y="0"/>
+          <a:ext cx="0" cy="0"/>
+          <a:chOff x="0" y="0"/>
+          <a:chExt cx="0" cy="0"/>
+        </a:xfrm>
+      </p:grpSpPr>
+      <p:sp>
+        <p:nvSpPr>
+          <p:cNvPr id="2" name="Title 1">
+            <a:extLst>
+              <a:ext uri="{FF2B5EF4-FFF2-40B4-BE49-F238E27FC236}">
+                <a16:creationId xmlns:a16="http://schemas.microsoft.com/office/drawing/2014/main" id="{2ACA148D-52EE-B29F-89D7-39881F29371B}"/>
+              </a:ext>
+            </a:extLst>
+          </p:cNvPr>
+          <p:cNvSpPr>
+            <a:spLocks noGrp="1"/>
+          </p:cNvSpPr>
+          <p:nvPr>
+            <p:ph type="title"/>
+          </p:nvPr>
+        </p:nvSpPr>
+        <p:spPr>
+          <a:xfrm>
+            <a:off x="1069848" y="484632"/>
+            <a:ext cx="10058400" cy="739257"/>
+          </a:xfrm>
+        </p:spPr>
+        <p:txBody>
+          <a:bodyPr>
+            <a:normAutofit fontScale="90000"/>
+          </a:bodyPr>
+          <a:lstStyle/>
+          <a:p>
+            <a:r>
+              <a:rPr lang="en-US" dirty="0"/>
+              <a:t>Final Report</a:t>
+            </a:r>
+          </a:p>
+        </p:txBody>
+      </p:sp>
+      <p:sp>
+        <p:nvSpPr>
+          <p:cNvPr id="3" name="Content Placeholder 2">
+            <a:extLst>
+              <a:ext uri="{FF2B5EF4-FFF2-40B4-BE49-F238E27FC236}">
+                <a16:creationId xmlns:a16="http://schemas.microsoft.com/office/drawing/2014/main" id="{FC9D5BA0-34AC-4C52-7EF2-A15117FE2831}"/>
+              </a:ext>
+            </a:extLst>
+          </p:cNvPr>
+          <p:cNvSpPr>
+            <a:spLocks noGrp="1"/>
+          </p:cNvSpPr>
+          <p:nvPr>
+            <p:ph sz="half" idx="2"/>
+          </p:nvPr>
+        </p:nvSpPr>
+        <p:spPr>
+          <a:xfrm>
+            <a:off x="1069848" y="1125415"/>
+            <a:ext cx="4754880" cy="5732585"/>
+          </a:xfrm>
+        </p:spPr>
+        <p:txBody>
+          <a:bodyPr>
+            <a:noAutofit/>
+          </a:bodyPr>
+          <a:lstStyle/>
+          <a:p>
+            <a:pPr algn="l">
+              <a:buFont typeface="Arial" panose="020B0604020202020204" pitchFamily="34" charset="0"/>
+              <a:buChar char="•"/>
+            </a:pPr>
+            <a:r>
+              <a:rPr lang="en-US" sz="1600" b="1" i="0" dirty="0">
+                <a:solidFill>
+                  <a:srgbClr val="0D0D0D"/>
+                </a:solidFill>
+                <a:effectLst/>
+                <a:latin typeface="Rockwell(body)"/>
+              </a:rPr>
+              <a:t>User Overview:</a:t>
+            </a:r>
+            <a:endParaRPr lang="en-US" sz="1600" b="0" i="0" dirty="0">
+              <a:solidFill>
+                <a:srgbClr val="0D0D0D"/>
+              </a:solidFill>
+              <a:effectLst/>
+              <a:latin typeface="Rockwell(body)"/>
+            </a:endParaRPr>
+          </a:p>
+          <a:p>
+            <a:pPr marL="742950" lvl="1" indent="-285750" algn="l">
+              <a:buFont typeface="Arial" panose="020B0604020202020204" pitchFamily="34" charset="0"/>
+              <a:buChar char="•"/>
+            </a:pPr>
+            <a:r>
+              <a:rPr lang="en-US" sz="1600" b="0" i="0" dirty="0">
+                <a:solidFill>
+                  <a:srgbClr val="0D0D0D"/>
+                </a:solidFill>
+                <a:effectLst/>
+                <a:latin typeface="Rockwell(body)"/>
+              </a:rPr>
+              <a:t>18 unique users from India.</a:t>
+            </a:r>
+          </a:p>
+          <a:p>
+            <a:pPr algn="l">
+              <a:buFont typeface="Arial" panose="020B0604020202020204" pitchFamily="34" charset="0"/>
+              <a:buChar char="•"/>
+            </a:pPr>
+            <a:r>
+              <a:rPr lang="en-US" sz="1600" b="1" i="0" dirty="0">
+                <a:solidFill>
+                  <a:srgbClr val="0D0D0D"/>
+                </a:solidFill>
+                <a:effectLst/>
+                <a:latin typeface="Rockwell(body)"/>
+              </a:rPr>
+              <a:t>Insights:</a:t>
+            </a:r>
+            <a:endParaRPr lang="en-US" sz="1600" b="0" i="0" dirty="0">
+              <a:solidFill>
+                <a:srgbClr val="0D0D0D"/>
+              </a:solidFill>
+              <a:effectLst/>
+              <a:latin typeface="Rockwell(body)"/>
+            </a:endParaRPr>
+          </a:p>
+          <a:p>
+            <a:pPr marL="742950" lvl="1" indent="-285750" algn="l">
+              <a:buFont typeface="Arial" panose="020B0604020202020204" pitchFamily="34" charset="0"/>
+              <a:buChar char="•"/>
+            </a:pPr>
+            <a:r>
+              <a:rPr lang="en-US" sz="1600" b="0" i="0" dirty="0">
+                <a:solidFill>
+                  <a:srgbClr val="0D0D0D"/>
+                </a:solidFill>
+                <a:effectLst/>
+                <a:latin typeface="Rockwell(body)"/>
+              </a:rPr>
+              <a:t>Rage Clicks: 27.78%</a:t>
+            </a:r>
+          </a:p>
+          <a:p>
+            <a:pPr marL="742950" lvl="1" indent="-285750" algn="l">
+              <a:buFont typeface="Arial" panose="020B0604020202020204" pitchFamily="34" charset="0"/>
+              <a:buChar char="•"/>
+            </a:pPr>
+            <a:r>
+              <a:rPr lang="en-US" sz="1600" b="0" i="0" dirty="0">
+                <a:solidFill>
+                  <a:srgbClr val="0D0D0D"/>
+                </a:solidFill>
+                <a:effectLst/>
+                <a:latin typeface="Rockwell(body)"/>
+              </a:rPr>
+              <a:t>Dead Clicks: 88.89%</a:t>
+            </a:r>
+          </a:p>
+          <a:p>
+            <a:pPr marL="742950" lvl="1" indent="-285750" algn="l">
+              <a:buFont typeface="Arial" panose="020B0604020202020204" pitchFamily="34" charset="0"/>
+              <a:buChar char="•"/>
+            </a:pPr>
+            <a:r>
+              <a:rPr lang="en-US" sz="1600" b="0" i="0" dirty="0">
+                <a:solidFill>
+                  <a:srgbClr val="0D0D0D"/>
+                </a:solidFill>
+                <a:effectLst/>
+                <a:latin typeface="Rockwell(body)"/>
+              </a:rPr>
+              <a:t>Excessive Scrolling: 0%</a:t>
+            </a:r>
+          </a:p>
+          <a:p>
+            <a:pPr marL="742950" lvl="1" indent="-285750" algn="l">
+              <a:buFont typeface="Arial" panose="020B0604020202020204" pitchFamily="34" charset="0"/>
+              <a:buChar char="•"/>
+            </a:pPr>
+            <a:r>
+              <a:rPr lang="en-US" sz="1600" b="0" i="0" dirty="0">
+                <a:solidFill>
+                  <a:srgbClr val="0D0D0D"/>
+                </a:solidFill>
+                <a:effectLst/>
+                <a:latin typeface="Rockwell(body)"/>
+              </a:rPr>
+              <a:t>Quick Backs: 22.22%</a:t>
+            </a:r>
+          </a:p>
+          <a:p>
+            <a:pPr algn="l">
+              <a:buFont typeface="Arial" panose="020B0604020202020204" pitchFamily="34" charset="0"/>
+              <a:buChar char="•"/>
+            </a:pPr>
+            <a:r>
+              <a:rPr lang="en-US" sz="1600" b="1" i="0" dirty="0">
+                <a:solidFill>
+                  <a:srgbClr val="0D0D0D"/>
+                </a:solidFill>
+                <a:effectLst/>
+                <a:latin typeface="Rockwell(body)"/>
+              </a:rPr>
+              <a:t>Browsers Used:</a:t>
+            </a:r>
+            <a:endParaRPr lang="en-US" sz="1600" b="0" i="0" dirty="0">
+              <a:solidFill>
+                <a:srgbClr val="0D0D0D"/>
+              </a:solidFill>
+              <a:effectLst/>
+              <a:latin typeface="Rockwell(body)"/>
+            </a:endParaRPr>
+          </a:p>
+          <a:p>
+            <a:pPr marL="742950" lvl="1" indent="-285750" algn="l">
+              <a:buFont typeface="Arial" panose="020B0604020202020204" pitchFamily="34" charset="0"/>
+              <a:buChar char="•"/>
+            </a:pPr>
+            <a:r>
+              <a:rPr lang="en-US" sz="1600" b="0" i="0" dirty="0">
+                <a:solidFill>
+                  <a:srgbClr val="0D0D0D"/>
+                </a:solidFill>
+                <a:effectLst/>
+                <a:latin typeface="Rockwell(body)"/>
+              </a:rPr>
+              <a:t>Chrome: 27.78% (5 sessions)</a:t>
+            </a:r>
+          </a:p>
+          <a:p>
+            <a:pPr marL="742950" lvl="1" indent="-285750" algn="l">
+              <a:buFont typeface="Arial" panose="020B0604020202020204" pitchFamily="34" charset="0"/>
+              <a:buChar char="•"/>
+            </a:pPr>
+            <a:r>
+              <a:rPr lang="en-US" sz="1600" b="0" i="0" dirty="0">
+                <a:solidFill>
+                  <a:srgbClr val="0D0D0D"/>
+                </a:solidFill>
+                <a:effectLst/>
+                <a:latin typeface="Rockwell(body)"/>
+              </a:rPr>
+              <a:t>Chrome Mobile: 50% (9 sessions)</a:t>
+            </a:r>
+          </a:p>
+          <a:p>
+            <a:pPr marL="742950" lvl="1" indent="-285750" algn="l">
+              <a:buFont typeface="Arial" panose="020B0604020202020204" pitchFamily="34" charset="0"/>
+              <a:buChar char="•"/>
+            </a:pPr>
+            <a:r>
+              <a:rPr lang="en-US" sz="1600" b="0" i="0" dirty="0">
+                <a:solidFill>
+                  <a:srgbClr val="0D0D0D"/>
+                </a:solidFill>
+                <a:effectLst/>
+                <a:latin typeface="Rockwell(body)"/>
+              </a:rPr>
+              <a:t>Edge: 22.22% (4 sessions)</a:t>
+            </a:r>
+          </a:p>
+          <a:p>
+            <a:pPr algn="l">
+              <a:buFont typeface="Arial" panose="020B0604020202020204" pitchFamily="34" charset="0"/>
+              <a:buChar char="•"/>
+            </a:pPr>
+            <a:r>
+              <a:rPr lang="en-US" sz="1600" b="1" i="0" dirty="0">
+                <a:solidFill>
+                  <a:srgbClr val="0D0D0D"/>
+                </a:solidFill>
+                <a:effectLst/>
+                <a:latin typeface="Rockwell(body)"/>
+              </a:rPr>
+              <a:t>Operating System (All Users - India):</a:t>
+            </a:r>
+            <a:endParaRPr lang="en-US" sz="1600" b="0" i="0" dirty="0">
+              <a:solidFill>
+                <a:srgbClr val="0D0D0D"/>
+              </a:solidFill>
+              <a:effectLst/>
+              <a:latin typeface="Rockwell(body)"/>
+            </a:endParaRPr>
+          </a:p>
+          <a:p>
+            <a:pPr marL="742950" lvl="1" indent="-285750" algn="l">
+              <a:buFont typeface="Arial" panose="020B0604020202020204" pitchFamily="34" charset="0"/>
+              <a:buChar char="•"/>
+            </a:pPr>
+            <a:r>
+              <a:rPr lang="en-US" sz="1600" b="0" i="0" dirty="0">
+                <a:solidFill>
+                  <a:srgbClr val="0D0D0D"/>
+                </a:solidFill>
+                <a:effectLst/>
+                <a:latin typeface="Rockwell(body)"/>
+              </a:rPr>
+              <a:t>Android: 50% (9 sessions)</a:t>
+            </a:r>
+          </a:p>
+          <a:p>
+            <a:pPr marL="742950" lvl="1" indent="-285750" algn="l">
+              <a:buFont typeface="Arial" panose="020B0604020202020204" pitchFamily="34" charset="0"/>
+              <a:buChar char="•"/>
+            </a:pPr>
+            <a:r>
+              <a:rPr lang="en-US" sz="1600" b="0" i="0" dirty="0">
+                <a:solidFill>
+                  <a:srgbClr val="0D0D0D"/>
+                </a:solidFill>
+                <a:effectLst/>
+                <a:latin typeface="Rockwell(body)"/>
+              </a:rPr>
+              <a:t>Windows: 50% (9 sessions)</a:t>
+            </a:r>
+          </a:p>
+          <a:p>
+            <a:pPr algn="l">
+              <a:buFont typeface="Arial" panose="020B0604020202020204" pitchFamily="34" charset="0"/>
+              <a:buChar char="•"/>
+            </a:pPr>
+            <a:r>
+              <a:rPr lang="en-US" sz="1600" b="1" i="0" dirty="0">
+                <a:solidFill>
+                  <a:srgbClr val="0D0D0D"/>
+                </a:solidFill>
+                <a:effectLst/>
+                <a:latin typeface="Rockwell(body)"/>
+              </a:rPr>
+              <a:t>Devices:</a:t>
+            </a:r>
+            <a:endParaRPr lang="en-US" sz="1600" b="0" i="0" dirty="0">
+              <a:solidFill>
+                <a:srgbClr val="0D0D0D"/>
+              </a:solidFill>
+              <a:effectLst/>
+              <a:latin typeface="Rockwell(body)"/>
+            </a:endParaRPr>
+          </a:p>
+          <a:p>
+            <a:pPr marL="742950" lvl="1" indent="-285750" algn="l">
+              <a:buFont typeface="Arial" panose="020B0604020202020204" pitchFamily="34" charset="0"/>
+              <a:buChar char="•"/>
+            </a:pPr>
+            <a:r>
+              <a:rPr lang="en-US" sz="1600" b="0" i="0" dirty="0">
+                <a:solidFill>
+                  <a:srgbClr val="0D0D0D"/>
+                </a:solidFill>
+                <a:effectLst/>
+                <a:latin typeface="Rockwell(body)"/>
+              </a:rPr>
+              <a:t>Mobile: 50% (9 sessions)</a:t>
+            </a:r>
+          </a:p>
+          <a:p>
+            <a:pPr marL="742950" lvl="1" indent="-285750" algn="l">
+              <a:buFont typeface="Arial" panose="020B0604020202020204" pitchFamily="34" charset="0"/>
+              <a:buChar char="•"/>
+            </a:pPr>
+            <a:r>
+              <a:rPr lang="en-US" sz="1600" b="0" i="0" dirty="0">
+                <a:solidFill>
+                  <a:srgbClr val="0D0D0D"/>
+                </a:solidFill>
+                <a:effectLst/>
+                <a:latin typeface="Rockwell(body)"/>
+              </a:rPr>
+              <a:t>PC: 50% (9 sessions)</a:t>
+            </a:r>
+            <a:endParaRPr lang="en-US" sz="1600" dirty="0">
+              <a:solidFill>
+                <a:srgbClr val="0D0D0D"/>
+              </a:solidFill>
+              <a:latin typeface="Rockwell(body)"/>
+            </a:endParaRPr>
+          </a:p>
+          <a:p>
+            <a:pPr algn="l">
+              <a:buFont typeface="Arial" panose="020B0604020202020204" pitchFamily="34" charset="0"/>
+              <a:buChar char="•"/>
+            </a:pPr>
+            <a:r>
+              <a:rPr lang="en-US" sz="1600" b="1" i="0" dirty="0">
+                <a:solidFill>
+                  <a:srgbClr val="0D0D0D"/>
+                </a:solidFill>
+                <a:effectLst/>
+                <a:latin typeface="Rockwell(body)"/>
+              </a:rPr>
+              <a:t>Performance Overview:</a:t>
+            </a:r>
+            <a:r>
+              <a:rPr lang="en-US" sz="1600" b="0" i="0" dirty="0">
+                <a:solidFill>
+                  <a:srgbClr val="0D0D0D"/>
+                </a:solidFill>
+                <a:effectLst/>
+                <a:latin typeface="Rockwell(body)"/>
+              </a:rPr>
+              <a:t>100/100</a:t>
+            </a:r>
+          </a:p>
+          <a:p>
+            <a:pPr marL="742950" lvl="1" indent="-285750" algn="l">
+              <a:buFont typeface="Arial" panose="020B0604020202020204" pitchFamily="34" charset="0"/>
+              <a:buChar char="•"/>
+            </a:pPr>
+            <a:endParaRPr lang="en-US" sz="1600" b="0" i="0" dirty="0">
+              <a:solidFill>
+                <a:srgbClr val="0D0D0D"/>
+              </a:solidFill>
+              <a:effectLst/>
+              <a:latin typeface="Rockwell(body)"/>
+            </a:endParaRPr>
+          </a:p>
+        </p:txBody>
+      </p:sp>
+      <p:sp>
+        <p:nvSpPr>
+          <p:cNvPr id="6" name="Content Placeholder 5">
+            <a:extLst>
+              <a:ext uri="{FF2B5EF4-FFF2-40B4-BE49-F238E27FC236}">
+                <a16:creationId xmlns:a16="http://schemas.microsoft.com/office/drawing/2014/main" id="{5FCFCA4F-C795-6D3A-7C16-5498E7EC5F12}"/>
+              </a:ext>
+            </a:extLst>
+          </p:cNvPr>
+          <p:cNvSpPr>
+            <a:spLocks noGrp="1"/>
+          </p:cNvSpPr>
+          <p:nvPr>
+            <p:ph sz="quarter" idx="4"/>
+          </p:nvPr>
+        </p:nvSpPr>
+        <p:spPr>
+          <a:xfrm>
+            <a:off x="5824728" y="1223889"/>
+            <a:ext cx="5294376" cy="5634111"/>
+          </a:xfrm>
+        </p:spPr>
+        <p:txBody>
+          <a:bodyPr>
+            <a:normAutofit fontScale="85000" lnSpcReduction="10000"/>
+          </a:bodyPr>
+          <a:lstStyle/>
+          <a:p>
+            <a:pPr algn="l">
+              <a:buFont typeface="Arial" panose="020B0604020202020204" pitchFamily="34" charset="0"/>
+              <a:buChar char="•"/>
+            </a:pPr>
+            <a:r>
+              <a:rPr lang="en-US" sz="1800" b="1" i="0" dirty="0">
+                <a:solidFill>
+                  <a:srgbClr val="0D0D0D"/>
+                </a:solidFill>
+                <a:effectLst/>
+                <a:latin typeface="Rockwell(body)"/>
+              </a:rPr>
+              <a:t>Most Clicked Features:</a:t>
+            </a:r>
+            <a:endParaRPr lang="en-US" sz="1800" b="0" i="0" dirty="0">
+              <a:solidFill>
+                <a:srgbClr val="0D0D0D"/>
+              </a:solidFill>
+              <a:effectLst/>
+              <a:latin typeface="Rockwell(body)"/>
+            </a:endParaRPr>
+          </a:p>
+          <a:p>
+            <a:pPr marL="742950" lvl="1" indent="-285750" algn="l">
+              <a:buFont typeface="Arial" panose="020B0604020202020204" pitchFamily="34" charset="0"/>
+              <a:buChar char="•"/>
+            </a:pPr>
+            <a:r>
+              <a:rPr lang="en-US" b="0" i="0" dirty="0">
+                <a:solidFill>
+                  <a:srgbClr val="0D0D0D"/>
+                </a:solidFill>
+                <a:effectLst/>
+                <a:latin typeface="Rockwell(body)"/>
+              </a:rPr>
+              <a:t>Learn More Button: 204 clicks</a:t>
+            </a:r>
+          </a:p>
+          <a:p>
+            <a:pPr marL="742950" lvl="1" indent="-285750" algn="l">
+              <a:buFont typeface="Arial" panose="020B0604020202020204" pitchFamily="34" charset="0"/>
+              <a:buChar char="•"/>
+            </a:pPr>
+            <a:r>
+              <a:rPr lang="en-US" b="0" i="0" dirty="0">
+                <a:solidFill>
+                  <a:srgbClr val="0D0D0D"/>
+                </a:solidFill>
+                <a:effectLst/>
+                <a:latin typeface="Rockwell(body)"/>
+              </a:rPr>
+              <a:t>Home Button: 100 clicks</a:t>
+            </a:r>
+          </a:p>
+          <a:p>
+            <a:pPr algn="l">
+              <a:buFont typeface="Arial" panose="020B0604020202020204" pitchFamily="34" charset="0"/>
+              <a:buChar char="•"/>
+            </a:pPr>
+            <a:r>
+              <a:rPr lang="en-US" b="1" i="0" dirty="0">
+                <a:solidFill>
+                  <a:srgbClr val="0D0D0D"/>
+                </a:solidFill>
+                <a:effectLst/>
+                <a:latin typeface="Rockwell(body)"/>
+              </a:rPr>
+              <a:t>User Behavior - Desktop:</a:t>
+            </a:r>
+            <a:endParaRPr lang="en-US" b="0" i="0" dirty="0">
+              <a:solidFill>
+                <a:srgbClr val="0D0D0D"/>
+              </a:solidFill>
+              <a:effectLst/>
+              <a:latin typeface="Rockwell(body)"/>
+            </a:endParaRPr>
+          </a:p>
+          <a:p>
+            <a:pPr marL="742950" lvl="1" indent="-285750" algn="l">
+              <a:buFont typeface="Arial" panose="020B0604020202020204" pitchFamily="34" charset="0"/>
+              <a:buChar char="•"/>
+            </a:pPr>
+            <a:r>
+              <a:rPr lang="en-US" b="0" i="0" dirty="0">
+                <a:solidFill>
+                  <a:srgbClr val="0D0D0D"/>
+                </a:solidFill>
+                <a:effectLst/>
+                <a:latin typeface="Rockwell(body)"/>
+              </a:rPr>
+              <a:t>Scroll Depth: Reached end with a slight drop-off at 35% and 95%.</a:t>
+            </a:r>
+          </a:p>
+          <a:p>
+            <a:pPr marL="742950" lvl="1" indent="-285750" algn="l">
+              <a:buFont typeface="Arial" panose="020B0604020202020204" pitchFamily="34" charset="0"/>
+              <a:buChar char="•"/>
+            </a:pPr>
+            <a:r>
+              <a:rPr lang="en-US" b="0" i="0" dirty="0">
+                <a:solidFill>
+                  <a:srgbClr val="0D0D0D"/>
+                </a:solidFill>
+                <a:effectLst/>
+                <a:latin typeface="Rockwell(body)"/>
+              </a:rPr>
+              <a:t>Clicked mostly on Home and About Us links in the main menu and Learn More button in the hero section.</a:t>
+            </a:r>
+          </a:p>
+          <a:p>
+            <a:pPr marL="742950" lvl="1" indent="-285750" algn="l">
+              <a:buFont typeface="Arial" panose="020B0604020202020204" pitchFamily="34" charset="0"/>
+              <a:buChar char="•"/>
+            </a:pPr>
+            <a:r>
+              <a:rPr lang="en-US" b="0" i="0" dirty="0">
+                <a:solidFill>
+                  <a:srgbClr val="0D0D0D"/>
+                </a:solidFill>
+                <a:effectLst/>
+                <a:latin typeface="Rockwell(body)"/>
+              </a:rPr>
+              <a:t>Repeated clicks on Home link and non-clickable elements like Music and Pictures sections.</a:t>
+            </a:r>
+          </a:p>
+          <a:p>
+            <a:pPr algn="l">
+              <a:buFont typeface="Arial" panose="020B0604020202020204" pitchFamily="34" charset="0"/>
+              <a:buChar char="•"/>
+            </a:pPr>
+            <a:r>
+              <a:rPr lang="en-US" b="1" i="0" dirty="0">
+                <a:solidFill>
+                  <a:srgbClr val="0D0D0D"/>
+                </a:solidFill>
+                <a:effectLst/>
+                <a:latin typeface="Rockwell(body)"/>
+              </a:rPr>
+              <a:t>User Behavior - Mobile:</a:t>
+            </a:r>
+            <a:endParaRPr lang="en-US" b="0" i="0" dirty="0">
+              <a:solidFill>
+                <a:srgbClr val="0D0D0D"/>
+              </a:solidFill>
+              <a:effectLst/>
+              <a:latin typeface="Rockwell(body)"/>
+            </a:endParaRPr>
+          </a:p>
+          <a:p>
+            <a:pPr marL="742950" lvl="1" indent="-285750" algn="l">
+              <a:buFont typeface="Arial" panose="020B0604020202020204" pitchFamily="34" charset="0"/>
+              <a:buChar char="•"/>
+            </a:pPr>
+            <a:r>
+              <a:rPr lang="en-US" b="0" i="0" dirty="0">
+                <a:solidFill>
+                  <a:srgbClr val="0D0D0D"/>
+                </a:solidFill>
+                <a:effectLst/>
+                <a:latin typeface="Rockwell(body)"/>
+              </a:rPr>
+              <a:t>Scroll Depth: Reached end with a drop-off at 90% and 100%.</a:t>
+            </a:r>
+          </a:p>
+          <a:p>
+            <a:pPr marL="742950" lvl="1" indent="-285750" algn="l">
+              <a:buFont typeface="Arial" panose="020B0604020202020204" pitchFamily="34" charset="0"/>
+              <a:buChar char="•"/>
+            </a:pPr>
+            <a:r>
+              <a:rPr lang="en-US" b="0" i="0" dirty="0">
+                <a:solidFill>
+                  <a:srgbClr val="0D0D0D"/>
+                </a:solidFill>
+                <a:effectLst/>
+                <a:latin typeface="Rockwell(body)"/>
+              </a:rPr>
+              <a:t>Clicked mostly on Mobile menu icon, Hero section, and non-clickable elements like Music section.</a:t>
+            </a:r>
+          </a:p>
+          <a:p>
+            <a:pPr marL="742950" lvl="1" indent="-285750" algn="l">
+              <a:buFont typeface="Arial" panose="020B0604020202020204" pitchFamily="34" charset="0"/>
+              <a:buChar char="•"/>
+            </a:pPr>
+            <a:r>
+              <a:rPr lang="en-US" b="0" i="0" dirty="0">
+                <a:solidFill>
+                  <a:srgbClr val="0D0D0D"/>
+                </a:solidFill>
+                <a:effectLst/>
+                <a:latin typeface="Rockwell(body)"/>
+              </a:rPr>
+              <a:t>Repeated clicks on Hero section and an empty element [?hash=1951m96yh], suggesting a possible error or bug.</a:t>
+            </a:r>
+          </a:p>
+          <a:p>
+            <a:pPr algn="l">
+              <a:buFont typeface="Arial" panose="020B0604020202020204" pitchFamily="34" charset="0"/>
+              <a:buChar char="•"/>
+            </a:pPr>
+            <a:r>
+              <a:rPr lang="en-US" b="1" i="0" dirty="0">
+                <a:solidFill>
+                  <a:srgbClr val="0D0D0D"/>
+                </a:solidFill>
+                <a:effectLst/>
+                <a:latin typeface="Rockwell(body)"/>
+              </a:rPr>
+              <a:t>User Behavior - Tablet:</a:t>
+            </a:r>
+            <a:endParaRPr lang="en-US" b="0" i="0" dirty="0">
+              <a:solidFill>
+                <a:srgbClr val="0D0D0D"/>
+              </a:solidFill>
+              <a:effectLst/>
+              <a:latin typeface="Rockwell(body)"/>
+            </a:endParaRPr>
+          </a:p>
+          <a:p>
+            <a:pPr marL="742950" lvl="1" indent="-285750" algn="l">
+              <a:buFont typeface="Arial" panose="020B0604020202020204" pitchFamily="34" charset="0"/>
+              <a:buChar char="•"/>
+            </a:pPr>
+            <a:r>
+              <a:rPr lang="en-US" b="0" i="0" dirty="0">
+                <a:solidFill>
+                  <a:srgbClr val="0D0D0D"/>
+                </a:solidFill>
+                <a:effectLst/>
+                <a:latin typeface="Rockwell(body)"/>
+              </a:rPr>
+              <a:t>No visits or interactions, suggesting a lack of interest or compatibility.</a:t>
+            </a:r>
+          </a:p>
+          <a:p>
+            <a:endParaRPr lang="en-US" dirty="0">
+              <a:latin typeface="Rockwell(body)"/>
+            </a:endParaRPr>
+          </a:p>
+        </p:txBody>
+      </p:sp>
+    </p:spTree>
+    <p:extLst>
+      <p:ext uri="{BB962C8B-B14F-4D97-AF65-F5344CB8AC3E}">
+        <p14:creationId xmlns:p14="http://schemas.microsoft.com/office/powerpoint/2010/main" val="23319912"/>
+      </p:ext>
+    </p:extLst>
+  </p:cSld>
+  <p:clrMapOvr>
+    <a:masterClrMapping/>
+  </p:clrMapOvr>
+</p:sld>
+</file>
+
+<file path=ppt/slides/slide13.xml><?xml version="1.0" encoding="utf-8"?>
 <p:sld xmlns:a="http://schemas.openxmlformats.org/drawingml/2006/main" xmlns:r="http://schemas.openxmlformats.org/officeDocument/2006/relationships" xmlns:p="http://schemas.openxmlformats.org/presentationml/2006/main" showMasterSp="0">
   <p:cSld>
     <p:bg>
@@ -6165,20 +7279,14 @@
               <a:t>I use this </a:t>
             </a:r>
             <a:r>
-              <a:rPr lang="en-US" dirty="0" err="1">
-                <a:hlinkClick r:id="rId2"/>
-              </a:rPr>
-              <a:t>RelisoNatura</a:t>
-            </a:r>
-            <a:r>
               <a:rPr lang="en-US" dirty="0">
                 <a:hlinkClick r:id="rId2"/>
               </a:rPr>
-              <a:t> | Home page</a:t>
+              <a:t>CSS-Assignment5 (subhg.github.io)</a:t>
             </a:r>
             <a:r>
               <a:rPr lang="en-US" dirty="0"/>
-              <a:t> site for analyzing data :-</a:t>
+              <a:t>site for analyzing data :-</a:t>
             </a:r>
             <a:br>
               <a:rPr lang="en-US" dirty="0"/>
@@ -6201,8 +7309,8 @@
         </p:nvSpPr>
         <p:spPr>
           <a:xfrm>
-            <a:off x="4354907" y="1575348"/>
-            <a:ext cx="3451260" cy="2862322"/>
+            <a:off x="3933934" y="1575348"/>
+            <a:ext cx="3872233" cy="2862322"/>
           </a:xfrm>
           <a:prstGeom prst="rect">
             <a:avLst/>
@@ -6233,7 +7341,7 @@
             </a:pPr>
             <a:r>
               <a:rPr lang="en-US" dirty="0"/>
-              <a:t>4 Unique user</a:t>
+              <a:t>18 Unique user from India</a:t>
             </a:r>
           </a:p>
           <a:p>
@@ -6252,7 +7360,7 @@
             </a:pPr>
             <a:r>
               <a:rPr lang="en-US" dirty="0"/>
-              <a:t>Rage clicks-0%</a:t>
+              <a:t>Rage clicks-27.78%</a:t>
             </a:r>
           </a:p>
           <a:p>
@@ -6262,7 +7370,7 @@
             </a:pPr>
             <a:r>
               <a:rPr lang="en-US" dirty="0"/>
-              <a:t>Dead clicks-40%</a:t>
+              <a:t>Dead clicks-88.89%</a:t>
             </a:r>
           </a:p>
           <a:p>
@@ -6282,20 +7390,85 @@
             </a:pPr>
             <a:r>
               <a:rPr lang="en-US" dirty="0"/>
-              <a:t>Quick backs-80%</a:t>
+              <a:t>Quick backs-22.22%</a:t>
             </a:r>
           </a:p>
           <a:p>
             <a:endParaRPr lang="en-US" dirty="0"/>
+          </a:p>
+        </p:txBody>
+      </p:sp>
+      <p:sp>
+        <p:nvSpPr>
+          <p:cNvPr id="14" name="TextBox 13">
+            <a:extLst>
+              <a:ext uri="{FF2B5EF4-FFF2-40B4-BE49-F238E27FC236}">
+                <a16:creationId xmlns:a16="http://schemas.microsoft.com/office/drawing/2014/main" id="{2684FFFA-72E9-62F8-DADF-67BAFB85FFB2}"/>
+              </a:ext>
+            </a:extLst>
+          </p:cNvPr>
+          <p:cNvSpPr txBox="1"/>
+          <p:nvPr/>
+        </p:nvSpPr>
+        <p:spPr>
+          <a:xfrm>
+            <a:off x="7490066" y="4657633"/>
+            <a:ext cx="4424028" cy="1200329"/>
+          </a:xfrm>
+          <a:prstGeom prst="rect">
+            <a:avLst/>
+          </a:prstGeom>
+          <a:noFill/>
+        </p:spPr>
+        <p:txBody>
+          <a:bodyPr wrap="square" rtlCol="0">
+            <a:spAutoFit/>
+          </a:bodyPr>
+          <a:lstStyle/>
+          <a:p>
+            <a:r>
+              <a:rPr lang="en-US" dirty="0"/>
+              <a:t>Browsers Use:-</a:t>
+            </a:r>
+          </a:p>
+          <a:p>
+            <a:pPr marL="742950" lvl="1" indent="-285750">
+              <a:buFont typeface="Arial" panose="020B0604020202020204" pitchFamily="34" charset="0"/>
+              <a:buChar char="•"/>
+            </a:pPr>
+            <a:r>
+              <a:rPr lang="en-US" dirty="0"/>
+              <a:t>Chrome-27.78% 5 sessions </a:t>
+            </a:r>
+          </a:p>
+          <a:p>
+            <a:pPr marL="742950" lvl="1" indent="-285750">
+              <a:buFont typeface="Arial" panose="020B0604020202020204" pitchFamily="34" charset="0"/>
+              <a:buChar char="•"/>
+            </a:pPr>
+            <a:r>
+              <a:rPr lang="en-US" dirty="0"/>
+              <a:t>Chrome Mobile- 50% 9 sessions</a:t>
+            </a:r>
+          </a:p>
+          <a:p>
+            <a:pPr marL="742950" lvl="1" indent="-285750">
+              <a:buFont typeface="Arial" panose="020B0604020202020204" pitchFamily="34" charset="0"/>
+              <a:buChar char="•"/>
+            </a:pPr>
+            <a:r>
+              <a:rPr lang="en-US" dirty="0"/>
+              <a:t>Edge-22.22% 4 session</a:t>
+            </a:r>
           </a:p>
         </p:txBody>
       </p:sp>
       <p:pic>
         <p:nvPicPr>
-          <p:cNvPr id="8" name="Picture 7">
+          <p:cNvPr id="5" name="Picture 4">
             <a:extLst>
               <a:ext uri="{FF2B5EF4-FFF2-40B4-BE49-F238E27FC236}">
-                <a16:creationId xmlns:a16="http://schemas.microsoft.com/office/drawing/2014/main" id="{AB6002A4-05C5-663E-4D6B-C68C92EA792B}"/>
+                <a16:creationId xmlns:a16="http://schemas.microsoft.com/office/drawing/2014/main" id="{DE08DB03-0534-A46F-89E9-1177048B37A8}"/>
               </a:ext>
             </a:extLst>
           </p:cNvPr>
@@ -6318,8 +7491,8 @@
         </p:blipFill>
         <p:spPr>
           <a:xfrm>
-            <a:off x="7806167" y="1513815"/>
-            <a:ext cx="3071221" cy="3160058"/>
+            <a:off x="640466" y="1627883"/>
+            <a:ext cx="3257061" cy="3428211"/>
           </a:xfrm>
           <a:prstGeom prst="rect">
             <a:avLst/>
@@ -6328,10 +7501,10 @@
       </p:pic>
       <p:pic>
         <p:nvPicPr>
-          <p:cNvPr id="10" name="Picture 9">
+          <p:cNvPr id="9" name="Picture 8">
             <a:extLst>
               <a:ext uri="{FF2B5EF4-FFF2-40B4-BE49-F238E27FC236}">
-                <a16:creationId xmlns:a16="http://schemas.microsoft.com/office/drawing/2014/main" id="{6E0AEB99-D46F-8034-2084-F143306217A3}"/>
+                <a16:creationId xmlns:a16="http://schemas.microsoft.com/office/drawing/2014/main" id="{2E6DF7FA-DCA2-1C60-1C3E-34762CD55735}"/>
               </a:ext>
             </a:extLst>
           </p:cNvPr>
@@ -6354,8 +7527,8 @@
         </p:blipFill>
         <p:spPr>
           <a:xfrm>
-            <a:off x="1063752" y="1513815"/>
-            <a:ext cx="3071221" cy="3160058"/>
+            <a:off x="7752730" y="1499249"/>
+            <a:ext cx="3338496" cy="3044547"/>
           </a:xfrm>
           <a:prstGeom prst="rect">
             <a:avLst/>
@@ -6364,10 +7537,10 @@
       </p:pic>
       <p:pic>
         <p:nvPicPr>
-          <p:cNvPr id="12" name="Picture 11">
+          <p:cNvPr id="13" name="Picture 12">
             <a:extLst>
               <a:ext uri="{FF2B5EF4-FFF2-40B4-BE49-F238E27FC236}">
-                <a16:creationId xmlns:a16="http://schemas.microsoft.com/office/drawing/2014/main" id="{7B2C464B-B36B-81CF-690B-CCCBDAB0ADE8}"/>
+                <a16:creationId xmlns:a16="http://schemas.microsoft.com/office/drawing/2014/main" id="{E266EC26-CBA6-7207-3237-3BB850700E0F}"/>
               </a:ext>
             </a:extLst>
           </p:cNvPr>
@@ -6390,79 +7563,14 @@
         </p:blipFill>
         <p:spPr>
           <a:xfrm>
-            <a:off x="4385833" y="4247447"/>
-            <a:ext cx="3071221" cy="2343654"/>
+            <a:off x="4196597" y="4336032"/>
+            <a:ext cx="3257062" cy="2438706"/>
           </a:xfrm>
           <a:prstGeom prst="rect">
             <a:avLst/>
           </a:prstGeom>
         </p:spPr>
       </p:pic>
-      <p:sp>
-        <p:nvSpPr>
-          <p:cNvPr id="14" name="TextBox 13">
-            <a:extLst>
-              <a:ext uri="{FF2B5EF4-FFF2-40B4-BE49-F238E27FC236}">
-                <a16:creationId xmlns:a16="http://schemas.microsoft.com/office/drawing/2014/main" id="{2684FFFA-72E9-62F8-DADF-67BAFB85FFB2}"/>
-              </a:ext>
-            </a:extLst>
-          </p:cNvPr>
-          <p:cNvSpPr txBox="1"/>
-          <p:nvPr/>
-        </p:nvSpPr>
-        <p:spPr>
-          <a:xfrm>
-            <a:off x="7531085" y="5238370"/>
-            <a:ext cx="2688680" cy="1200329"/>
-          </a:xfrm>
-          <a:prstGeom prst="rect">
-            <a:avLst/>
-          </a:prstGeom>
-          <a:noFill/>
-        </p:spPr>
-        <p:txBody>
-          <a:bodyPr wrap="square" rtlCol="0">
-            <a:spAutoFit/>
-          </a:bodyPr>
-          <a:lstStyle/>
-          <a:p>
-            <a:r>
-              <a:rPr lang="en-US" dirty="0"/>
-              <a:t>Browsers Use:-</a:t>
-            </a:r>
-          </a:p>
-          <a:p>
-            <a:pPr marL="742950" lvl="1" indent="-285750">
-              <a:buFont typeface="Arial" panose="020B0604020202020204" pitchFamily="34" charset="0"/>
-              <a:buChar char="•"/>
-            </a:pPr>
-            <a:r>
-              <a:rPr lang="en-US" dirty="0"/>
-              <a:t>Chrome</a:t>
-            </a:r>
-          </a:p>
-          <a:p>
-            <a:pPr marL="742950" lvl="1" indent="-285750">
-              <a:buFont typeface="Arial" panose="020B0604020202020204" pitchFamily="34" charset="0"/>
-              <a:buChar char="•"/>
-            </a:pPr>
-            <a:r>
-              <a:rPr lang="en-US" dirty="0"/>
-              <a:t>Chrome Mobile</a:t>
-            </a:r>
-          </a:p>
-          <a:p>
-            <a:pPr marL="742950" lvl="1" indent="-285750">
-              <a:buFont typeface="Arial" panose="020B0604020202020204" pitchFamily="34" charset="0"/>
-              <a:buChar char="•"/>
-            </a:pPr>
-            <a:r>
-              <a:rPr lang="en-US" dirty="0"/>
-              <a:t>Edge</a:t>
-            </a:r>
-          </a:p>
-        </p:txBody>
-      </p:sp>
     </p:spTree>
     <p:extLst>
       <p:ext uri="{BB962C8B-B14F-4D97-AF65-F5344CB8AC3E}">
@@ -6527,102 +7635,12 @@
           <a:chExt cx="0" cy="0"/>
         </a:xfrm>
       </p:grpSpPr>
-      <p:sp>
-        <p:nvSpPr>
-          <p:cNvPr id="2" name="Title 1">
+      <p:pic>
+        <p:nvPicPr>
+          <p:cNvPr id="5" name="Content Placeholder 4">
             <a:extLst>
               <a:ext uri="{FF2B5EF4-FFF2-40B4-BE49-F238E27FC236}">
-                <a16:creationId xmlns:a16="http://schemas.microsoft.com/office/drawing/2014/main" id="{F8101068-4D1E-0A07-41D6-B91A15B9ED07}"/>
-              </a:ext>
-            </a:extLst>
-          </p:cNvPr>
-          <p:cNvSpPr>
-            <a:spLocks noGrp="1"/>
-          </p:cNvSpPr>
-          <p:nvPr>
-            <p:ph type="title"/>
-          </p:nvPr>
-        </p:nvSpPr>
-        <p:spPr>
-          <a:xfrm>
-            <a:off x="1069848" y="484632"/>
-            <a:ext cx="10058400" cy="712156"/>
-          </a:xfrm>
-        </p:spPr>
-        <p:txBody>
-          <a:bodyPr>
-            <a:normAutofit fontScale="90000"/>
-          </a:bodyPr>
-          <a:lstStyle/>
-          <a:p>
-            <a:r>
-              <a:rPr lang="en-US" dirty="0"/>
-              <a:t>Features and button Receive the Most Click</a:t>
-            </a:r>
-          </a:p>
-        </p:txBody>
-      </p:sp>
-      <p:sp>
-        <p:nvSpPr>
-          <p:cNvPr id="6" name="TextBox 5">
-            <a:extLst>
-              <a:ext uri="{FF2B5EF4-FFF2-40B4-BE49-F238E27FC236}">
-                <a16:creationId xmlns:a16="http://schemas.microsoft.com/office/drawing/2014/main" id="{FB09EA28-1BD6-6605-F7F2-25C68D0A7857}"/>
-              </a:ext>
-            </a:extLst>
-          </p:cNvPr>
-          <p:cNvSpPr txBox="1"/>
-          <p:nvPr/>
-        </p:nvSpPr>
-        <p:spPr>
-          <a:xfrm>
-            <a:off x="5090609" y="2591644"/>
-            <a:ext cx="4389567" cy="1200329"/>
-          </a:xfrm>
-          <a:prstGeom prst="rect">
-            <a:avLst/>
-          </a:prstGeom>
-          <a:noFill/>
-        </p:spPr>
-        <p:txBody>
-          <a:bodyPr wrap="square" rtlCol="0">
-            <a:spAutoFit/>
-          </a:bodyPr>
-          <a:lstStyle/>
-          <a:p>
-            <a:r>
-              <a:rPr lang="en-US" dirty="0"/>
-              <a:t>The most clicked features buttons are:-</a:t>
-            </a:r>
-          </a:p>
-          <a:p>
-            <a:pPr marL="742950" lvl="1" indent="-285750">
-              <a:buFont typeface="Arial" panose="020B0604020202020204" pitchFamily="34" charset="0"/>
-              <a:buChar char="•"/>
-            </a:pPr>
-            <a:r>
-              <a:rPr lang="en-US" dirty="0"/>
-              <a:t>Link of profile given in footer</a:t>
-            </a:r>
-          </a:p>
-          <a:p>
-            <a:pPr marL="742950" lvl="1" indent="-285750">
-              <a:buFont typeface="Arial" panose="020B0604020202020204" pitchFamily="34" charset="0"/>
-              <a:buChar char="•"/>
-            </a:pPr>
-            <a:r>
-              <a:rPr lang="en-US" dirty="0"/>
-              <a:t>Shop button present in navigation bar</a:t>
-            </a:r>
-          </a:p>
-        </p:txBody>
-      </p:sp>
-      <p:pic>
-        <p:nvPicPr>
-          <p:cNvPr id="14" name="Content Placeholder 13">
-            <a:extLst>
-              <a:ext uri="{FF2B5EF4-FFF2-40B4-BE49-F238E27FC236}">
-                <a16:creationId xmlns:a16="http://schemas.microsoft.com/office/drawing/2014/main" id="{D7A38FFC-7220-BD58-44D0-DB26EA162B09}"/>
+                <a16:creationId xmlns:a16="http://schemas.microsoft.com/office/drawing/2014/main" id="{C03BB49B-E7F3-A268-1503-CD931FE6B9A2}"/>
               </a:ext>
             </a:extLst>
           </p:cNvPr>
@@ -6647,15 +7665,296 @@
         </p:blipFill>
         <p:spPr>
           <a:xfrm>
-            <a:off x="1235761" y="1624728"/>
-            <a:ext cx="3543795" cy="3134162"/>
+            <a:off x="59960" y="777685"/>
+            <a:ext cx="2793517" cy="3223289"/>
           </a:xfrm>
         </p:spPr>
       </p:pic>
+      <p:pic>
+        <p:nvPicPr>
+          <p:cNvPr id="9" name="Picture 8">
+            <a:extLst>
+              <a:ext uri="{FF2B5EF4-FFF2-40B4-BE49-F238E27FC236}">
+                <a16:creationId xmlns:a16="http://schemas.microsoft.com/office/drawing/2014/main" id="{EF7DAC50-3E9C-B25B-C86B-DE81CFDD36D6}"/>
+              </a:ext>
+            </a:extLst>
+          </p:cNvPr>
+          <p:cNvPicPr>
+            <a:picLocks noChangeAspect="1"/>
+          </p:cNvPicPr>
+          <p:nvPr/>
+        </p:nvPicPr>
+        <p:blipFill>
+          <a:blip r:embed="rId3">
+            <a:extLst>
+              <a:ext uri="{28A0092B-C50C-407E-A947-70E740481C1C}">
+                <a14:useLocalDpi xmlns:a14="http://schemas.microsoft.com/office/drawing/2010/main" val="0"/>
+              </a:ext>
+            </a:extLst>
+          </a:blip>
+          <a:stretch>
+            <a:fillRect/>
+          </a:stretch>
+        </p:blipFill>
+        <p:spPr>
+          <a:xfrm>
+            <a:off x="6119944" y="777684"/>
+            <a:ext cx="2830633" cy="3235009"/>
+          </a:xfrm>
+          <a:prstGeom prst="rect">
+            <a:avLst/>
+          </a:prstGeom>
+        </p:spPr>
+      </p:pic>
+      <p:pic>
+        <p:nvPicPr>
+          <p:cNvPr id="11" name="Picture 10">
+            <a:extLst>
+              <a:ext uri="{FF2B5EF4-FFF2-40B4-BE49-F238E27FC236}">
+                <a16:creationId xmlns:a16="http://schemas.microsoft.com/office/drawing/2014/main" id="{DC3D3AD9-B82B-DF56-5F61-A4EB75720F1D}"/>
+              </a:ext>
+            </a:extLst>
+          </p:cNvPr>
+          <p:cNvPicPr>
+            <a:picLocks noChangeAspect="1"/>
+          </p:cNvPicPr>
+          <p:nvPr/>
+        </p:nvPicPr>
+        <p:blipFill>
+          <a:blip r:embed="rId4">
+            <a:extLst>
+              <a:ext uri="{28A0092B-C50C-407E-A947-70E740481C1C}">
+                <a14:useLocalDpi xmlns:a14="http://schemas.microsoft.com/office/drawing/2010/main" val="0"/>
+              </a:ext>
+            </a:extLst>
+          </a:blip>
+          <a:stretch>
+            <a:fillRect/>
+          </a:stretch>
+        </p:blipFill>
+        <p:spPr>
+          <a:xfrm>
+            <a:off x="3164490" y="777684"/>
+            <a:ext cx="2648821" cy="3223289"/>
+          </a:xfrm>
+          <a:prstGeom prst="rect">
+            <a:avLst/>
+          </a:prstGeom>
+        </p:spPr>
+      </p:pic>
+      <p:sp>
+        <p:nvSpPr>
+          <p:cNvPr id="12" name="TextBox 11">
+            <a:extLst>
+              <a:ext uri="{FF2B5EF4-FFF2-40B4-BE49-F238E27FC236}">
+                <a16:creationId xmlns:a16="http://schemas.microsoft.com/office/drawing/2014/main" id="{4EE8C64C-584C-A7F3-8A7A-9E08F4FE2CC1}"/>
+              </a:ext>
+            </a:extLst>
+          </p:cNvPr>
+          <p:cNvSpPr txBox="1"/>
+          <p:nvPr/>
+        </p:nvSpPr>
+        <p:spPr>
+          <a:xfrm>
+            <a:off x="90906" y="4416473"/>
+            <a:ext cx="2385642" cy="369332"/>
+          </a:xfrm>
+          <a:prstGeom prst="rect">
+            <a:avLst/>
+          </a:prstGeom>
+          <a:noFill/>
+        </p:spPr>
+        <p:txBody>
+          <a:bodyPr wrap="square" rtlCol="0">
+            <a:spAutoFit/>
+          </a:bodyPr>
+          <a:lstStyle/>
+          <a:p>
+            <a:r>
+              <a:rPr lang="en-US" dirty="0"/>
+              <a:t>All users-India</a:t>
+            </a:r>
+          </a:p>
+        </p:txBody>
+      </p:sp>
+      <p:sp>
+        <p:nvSpPr>
+          <p:cNvPr id="13" name="TextBox 12">
+            <a:extLst>
+              <a:ext uri="{FF2B5EF4-FFF2-40B4-BE49-F238E27FC236}">
+                <a16:creationId xmlns:a16="http://schemas.microsoft.com/office/drawing/2014/main" id="{CFBB7BF8-97C9-93FB-6099-D19A73631C20}"/>
+              </a:ext>
+            </a:extLst>
+          </p:cNvPr>
+          <p:cNvSpPr txBox="1"/>
+          <p:nvPr/>
+        </p:nvSpPr>
+        <p:spPr>
+          <a:xfrm>
+            <a:off x="2944381" y="4316214"/>
+            <a:ext cx="3089037" cy="923330"/>
+          </a:xfrm>
+          <a:prstGeom prst="rect">
+            <a:avLst/>
+          </a:prstGeom>
+          <a:noFill/>
+        </p:spPr>
+        <p:txBody>
+          <a:bodyPr wrap="square" rtlCol="0">
+            <a:spAutoFit/>
+          </a:bodyPr>
+          <a:lstStyle/>
+          <a:p>
+            <a:r>
+              <a:rPr lang="en-US" dirty="0"/>
+              <a:t>Operating system-</a:t>
+            </a:r>
+            <a:br>
+              <a:rPr lang="en-US" dirty="0"/>
+            </a:br>
+            <a:r>
+              <a:rPr lang="en-US" dirty="0"/>
+              <a:t>Android- 50% &amp; 9 sessions</a:t>
+            </a:r>
+          </a:p>
+          <a:p>
+            <a:r>
+              <a:rPr lang="en-US" dirty="0"/>
+              <a:t>Windows-50% &amp; 9 sessions</a:t>
+            </a:r>
+          </a:p>
+        </p:txBody>
+      </p:sp>
+      <p:sp>
+        <p:nvSpPr>
+          <p:cNvPr id="14" name="TextBox 13">
+            <a:extLst>
+              <a:ext uri="{FF2B5EF4-FFF2-40B4-BE49-F238E27FC236}">
+                <a16:creationId xmlns:a16="http://schemas.microsoft.com/office/drawing/2014/main" id="{14FAC2B1-8FE6-F8BD-D561-43E24FD753EF}"/>
+              </a:ext>
+            </a:extLst>
+          </p:cNvPr>
+          <p:cNvSpPr txBox="1"/>
+          <p:nvPr/>
+        </p:nvSpPr>
+        <p:spPr>
+          <a:xfrm>
+            <a:off x="6168173" y="4316214"/>
+            <a:ext cx="3089037" cy="923330"/>
+          </a:xfrm>
+          <a:prstGeom prst="rect">
+            <a:avLst/>
+          </a:prstGeom>
+          <a:noFill/>
+        </p:spPr>
+        <p:txBody>
+          <a:bodyPr wrap="square" rtlCol="0">
+            <a:spAutoFit/>
+          </a:bodyPr>
+          <a:lstStyle/>
+          <a:p>
+            <a:r>
+              <a:rPr lang="en-US" dirty="0"/>
+              <a:t>Devices-</a:t>
+            </a:r>
+            <a:br>
+              <a:rPr lang="en-US" dirty="0"/>
+            </a:br>
+            <a:r>
+              <a:rPr lang="en-US" dirty="0"/>
+              <a:t>Mobile- 50% &amp; 9 sessions</a:t>
+            </a:r>
+          </a:p>
+          <a:p>
+            <a:r>
+              <a:rPr lang="en-US" dirty="0"/>
+              <a:t>PC- 50% &amp; 9 sessions</a:t>
+            </a:r>
+          </a:p>
+        </p:txBody>
+      </p:sp>
+      <p:pic>
+        <p:nvPicPr>
+          <p:cNvPr id="16" name="Picture 15">
+            <a:extLst>
+              <a:ext uri="{FF2B5EF4-FFF2-40B4-BE49-F238E27FC236}">
+                <a16:creationId xmlns:a16="http://schemas.microsoft.com/office/drawing/2014/main" id="{9BEE4AD3-B49E-18B1-B0C4-49520926B1BB}"/>
+              </a:ext>
+            </a:extLst>
+          </p:cNvPr>
+          <p:cNvPicPr>
+            <a:picLocks noChangeAspect="1"/>
+          </p:cNvPicPr>
+          <p:nvPr/>
+        </p:nvPicPr>
+        <p:blipFill>
+          <a:blip r:embed="rId5">
+            <a:extLst>
+              <a:ext uri="{28A0092B-C50C-407E-A947-70E740481C1C}">
+                <a14:useLocalDpi xmlns:a14="http://schemas.microsoft.com/office/drawing/2010/main" val="0"/>
+              </a:ext>
+            </a:extLst>
+          </a:blip>
+          <a:stretch>
+            <a:fillRect/>
+          </a:stretch>
+        </p:blipFill>
+        <p:spPr>
+          <a:xfrm>
+            <a:off x="9257210" y="771823"/>
+            <a:ext cx="2934790" cy="3235009"/>
+          </a:xfrm>
+          <a:prstGeom prst="rect">
+            <a:avLst/>
+          </a:prstGeom>
+        </p:spPr>
+      </p:pic>
+      <p:sp>
+        <p:nvSpPr>
+          <p:cNvPr id="17" name="TextBox 16">
+            <a:extLst>
+              <a:ext uri="{FF2B5EF4-FFF2-40B4-BE49-F238E27FC236}">
+                <a16:creationId xmlns:a16="http://schemas.microsoft.com/office/drawing/2014/main" id="{EFAAE84F-ECDD-9FD3-35AF-13697467BA83}"/>
+              </a:ext>
+            </a:extLst>
+          </p:cNvPr>
+          <p:cNvSpPr txBox="1"/>
+          <p:nvPr/>
+        </p:nvSpPr>
+        <p:spPr>
+          <a:xfrm>
+            <a:off x="9257210" y="4277973"/>
+            <a:ext cx="2934790" cy="646331"/>
+          </a:xfrm>
+          <a:prstGeom prst="rect">
+            <a:avLst/>
+          </a:prstGeom>
+          <a:noFill/>
+        </p:spPr>
+        <p:txBody>
+          <a:bodyPr wrap="square" rtlCol="0">
+            <a:spAutoFit/>
+          </a:bodyPr>
+          <a:lstStyle/>
+          <a:p>
+            <a:r>
+              <a:rPr lang="en-US" dirty="0"/>
+              <a:t>Performance Overview-</a:t>
+            </a:r>
+            <a:br>
+              <a:rPr lang="en-US" dirty="0"/>
+            </a:br>
+            <a:r>
+              <a:rPr lang="en-US" dirty="0"/>
+              <a:t>100/100</a:t>
+            </a:r>
+          </a:p>
+        </p:txBody>
+      </p:sp>
     </p:spTree>
     <p:extLst>
       <p:ext uri="{BB962C8B-B14F-4D97-AF65-F5344CB8AC3E}">
-        <p14:creationId xmlns:p14="http://schemas.microsoft.com/office/powerpoint/2010/main" val="3063169287"/>
+        <p14:creationId xmlns:p14="http://schemas.microsoft.com/office/powerpoint/2010/main" val="1243462647"/>
       </p:ext>
     </p:extLst>
   </p:cSld>
@@ -6721,7 +8020,7 @@
           <p:cNvPr id="2" name="Title 1">
             <a:extLst>
               <a:ext uri="{FF2B5EF4-FFF2-40B4-BE49-F238E27FC236}">
-                <a16:creationId xmlns:a16="http://schemas.microsoft.com/office/drawing/2014/main" id="{2ACA148D-52EE-B29F-89D7-39881F29371B}"/>
+                <a16:creationId xmlns:a16="http://schemas.microsoft.com/office/drawing/2014/main" id="{F8101068-4D1E-0A07-41D6-B91A15B9ED07}"/>
               </a:ext>
             </a:extLst>
           </p:cNvPr>
@@ -6734,8 +8033,8 @@
         </p:nvSpPr>
         <p:spPr>
           <a:xfrm>
-            <a:off x="1066800" y="323267"/>
-            <a:ext cx="10058400" cy="564239"/>
+            <a:off x="1069848" y="484632"/>
+            <a:ext cx="10058400" cy="712156"/>
           </a:xfrm>
         </p:spPr>
         <p:txBody>
@@ -6746,288 +8045,177 @@
           <a:p>
             <a:r>
               <a:rPr lang="en-US" dirty="0"/>
-              <a:t>Final Report</a:t>
-            </a:r>
-          </a:p>
-        </p:txBody>
-      </p:sp>
-      <p:sp>
-        <p:nvSpPr>
-          <p:cNvPr id="3" name="Content Placeholder 2">
+              <a:t>Features and button Receive the Most Click</a:t>
+            </a:r>
+          </a:p>
+        </p:txBody>
+      </p:sp>
+      <p:sp>
+        <p:nvSpPr>
+          <p:cNvPr id="6" name="TextBox 5">
             <a:extLst>
               <a:ext uri="{FF2B5EF4-FFF2-40B4-BE49-F238E27FC236}">
-                <a16:creationId xmlns:a16="http://schemas.microsoft.com/office/drawing/2014/main" id="{FC9D5BA0-34AC-4C52-7EF2-A15117FE2831}"/>
+                <a16:creationId xmlns:a16="http://schemas.microsoft.com/office/drawing/2014/main" id="{FB09EA28-1BD6-6605-F7F2-25C68D0A7857}"/>
               </a:ext>
             </a:extLst>
           </p:cNvPr>
-          <p:cNvSpPr>
-            <a:spLocks noGrp="1"/>
-          </p:cNvSpPr>
+          <p:cNvSpPr txBox="1"/>
+          <p:nvPr/>
+        </p:nvSpPr>
+        <p:spPr>
+          <a:xfrm>
+            <a:off x="5077161" y="1865503"/>
+            <a:ext cx="4604721" cy="923330"/>
+          </a:xfrm>
+          <a:prstGeom prst="rect">
+            <a:avLst/>
+          </a:prstGeom>
+          <a:noFill/>
+        </p:spPr>
+        <p:txBody>
+          <a:bodyPr wrap="square" rtlCol="0">
+            <a:spAutoFit/>
+          </a:bodyPr>
+          <a:lstStyle/>
+          <a:p>
+            <a:r>
+              <a:rPr lang="en-US" dirty="0"/>
+              <a:t>The most clicked features buttons are:-</a:t>
+            </a:r>
+          </a:p>
+          <a:p>
+            <a:pPr marL="742950" lvl="1" indent="-285750">
+              <a:buFont typeface="Arial" panose="020B0604020202020204" pitchFamily="34" charset="0"/>
+              <a:buChar char="•"/>
+            </a:pPr>
+            <a:r>
+              <a:rPr lang="en-US" dirty="0"/>
+              <a:t>Learn more button-204 clicks</a:t>
+            </a:r>
+          </a:p>
+          <a:p>
+            <a:pPr marL="742950" lvl="1" indent="-285750">
+              <a:buFont typeface="Arial" panose="020B0604020202020204" pitchFamily="34" charset="0"/>
+              <a:buChar char="•"/>
+            </a:pPr>
+            <a:r>
+              <a:rPr lang="en-US" dirty="0"/>
+              <a:t>Home button-100 clicks</a:t>
+            </a:r>
+          </a:p>
+        </p:txBody>
+      </p:sp>
+      <p:pic>
+        <p:nvPicPr>
+          <p:cNvPr id="7" name="Content Placeholder 6">
+            <a:extLst>
+              <a:ext uri="{FF2B5EF4-FFF2-40B4-BE49-F238E27FC236}">
+                <a16:creationId xmlns:a16="http://schemas.microsoft.com/office/drawing/2014/main" id="{C8441923-6B85-4955-997C-1D3871A2ECC5}"/>
+              </a:ext>
+            </a:extLst>
+          </p:cNvPr>
+          <p:cNvPicPr>
+            <a:picLocks noGrp="1" noChangeAspect="1"/>
+          </p:cNvPicPr>
           <p:nvPr>
             <p:ph idx="1"/>
           </p:nvPr>
-        </p:nvSpPr>
-        <p:spPr>
-          <a:xfrm>
-            <a:off x="1066800" y="1048871"/>
-            <a:ext cx="10058400" cy="5485862"/>
-          </a:xfrm>
-        </p:spPr>
-        <p:txBody>
-          <a:bodyPr>
-            <a:noAutofit/>
-          </a:bodyPr>
-          <a:lstStyle/>
-          <a:p>
-            <a:pPr algn="l"/>
-            <a:r>
-              <a:rPr lang="en-US" sz="1800" b="1" i="0" dirty="0">
-                <a:solidFill>
-                  <a:srgbClr val="0D0D0D"/>
-                </a:solidFill>
-                <a:effectLst/>
-                <a:latin typeface="Rockwell(body)"/>
-              </a:rPr>
-              <a:t>User Behavior Insights:</a:t>
-            </a:r>
-            <a:endParaRPr lang="en-US" sz="1800" b="0" i="0" dirty="0">
-              <a:solidFill>
-                <a:srgbClr val="0D0D0D"/>
-              </a:solidFill>
-              <a:effectLst/>
-              <a:latin typeface="Rockwell(body)"/>
-            </a:endParaRPr>
-          </a:p>
-          <a:p>
-            <a:pPr lvl="1">
-              <a:buFont typeface="Arial" panose="020B0604020202020204" pitchFamily="34" charset="0"/>
-              <a:buChar char="•"/>
-            </a:pPr>
-            <a:r>
-              <a:rPr lang="en-US" b="0" i="0" dirty="0">
-                <a:solidFill>
-                  <a:srgbClr val="0D0D0D"/>
-                </a:solidFill>
-                <a:effectLst/>
-                <a:latin typeface="Rockwell(body)"/>
-              </a:rPr>
-              <a:t>Rage Clicks: No instances of users repeatedly clicking in frustration.</a:t>
-            </a:r>
-          </a:p>
-          <a:p>
-            <a:pPr lvl="1">
-              <a:buFont typeface="Arial" panose="020B0604020202020204" pitchFamily="34" charset="0"/>
-              <a:buChar char="•"/>
-            </a:pPr>
-            <a:r>
-              <a:rPr lang="en-US" b="0" i="0" dirty="0">
-                <a:solidFill>
-                  <a:srgbClr val="0D0D0D"/>
-                </a:solidFill>
-                <a:effectLst/>
-                <a:latin typeface="Rockwell(body)"/>
-              </a:rPr>
-              <a:t>Dead Clicks: 40% of clicks didn't result in any action. This could indicate areas of confusion or non-responsive elements.</a:t>
-            </a:r>
-          </a:p>
-          <a:p>
-            <a:pPr lvl="1">
-              <a:buFont typeface="Arial" panose="020B0604020202020204" pitchFamily="34" charset="0"/>
-              <a:buChar char="•"/>
-            </a:pPr>
-            <a:r>
-              <a:rPr lang="en-US" b="0" i="0" dirty="0">
-                <a:solidFill>
-                  <a:srgbClr val="0D0D0D"/>
-                </a:solidFill>
-                <a:effectLst/>
-                <a:latin typeface="Rockwell(body)"/>
-              </a:rPr>
-              <a:t>Excessive Scrolling: No observed excessive scrolling behavior.</a:t>
-            </a:r>
-          </a:p>
-          <a:p>
-            <a:pPr lvl="1">
-              <a:buFont typeface="Arial" panose="020B0604020202020204" pitchFamily="34" charset="0"/>
-              <a:buChar char="•"/>
-            </a:pPr>
-            <a:r>
-              <a:rPr lang="en-US" b="0" i="0" dirty="0">
-                <a:solidFill>
-                  <a:srgbClr val="0D0D0D"/>
-                </a:solidFill>
-                <a:effectLst/>
-                <a:latin typeface="Rockwell(body)"/>
-              </a:rPr>
-              <a:t>Quick Backs: 80% of users navigated back quickly after viewing a page. This may suggest content or usability issues.</a:t>
-            </a:r>
-          </a:p>
-          <a:p>
-            <a:pPr algn="l"/>
-            <a:r>
-              <a:rPr lang="en-US" sz="1800" b="1" i="0" dirty="0">
-                <a:solidFill>
-                  <a:srgbClr val="0D0D0D"/>
-                </a:solidFill>
-                <a:effectLst/>
-                <a:latin typeface="Rockwell(body)"/>
-              </a:rPr>
-              <a:t>Browsers in Use:</a:t>
-            </a:r>
-            <a:endParaRPr lang="en-US" sz="1800" b="0" i="0" dirty="0">
-              <a:solidFill>
-                <a:srgbClr val="0D0D0D"/>
-              </a:solidFill>
-              <a:effectLst/>
-              <a:latin typeface="Rockwell(body)"/>
-            </a:endParaRPr>
-          </a:p>
-          <a:p>
-            <a:pPr lvl="1">
-              <a:buFont typeface="Arial" panose="020B0604020202020204" pitchFamily="34" charset="0"/>
-              <a:buChar char="•"/>
-            </a:pPr>
-            <a:r>
-              <a:rPr lang="en-US" sz="1600" b="0" i="0" dirty="0">
-                <a:solidFill>
-                  <a:srgbClr val="0D0D0D"/>
-                </a:solidFill>
-                <a:effectLst/>
-                <a:latin typeface="Rockwell(body)"/>
-              </a:rPr>
-              <a:t>Chrome</a:t>
-            </a:r>
-          </a:p>
-          <a:p>
-            <a:pPr lvl="1">
-              <a:buFont typeface="Arial" panose="020B0604020202020204" pitchFamily="34" charset="0"/>
-              <a:buChar char="•"/>
-            </a:pPr>
-            <a:r>
-              <a:rPr lang="en-US" sz="1600" b="0" i="0" dirty="0">
-                <a:solidFill>
-                  <a:srgbClr val="0D0D0D"/>
-                </a:solidFill>
-                <a:effectLst/>
-                <a:latin typeface="Rockwell(body)"/>
-              </a:rPr>
-              <a:t>Chrome Mobile</a:t>
-            </a:r>
-          </a:p>
-          <a:p>
-            <a:pPr lvl="1">
-              <a:buFont typeface="Arial" panose="020B0604020202020204" pitchFamily="34" charset="0"/>
-              <a:buChar char="•"/>
-            </a:pPr>
-            <a:r>
-              <a:rPr lang="en-US" sz="1600" b="0" i="0" dirty="0">
-                <a:solidFill>
-                  <a:srgbClr val="0D0D0D"/>
-                </a:solidFill>
-                <a:effectLst/>
-                <a:latin typeface="Rockwell(body)"/>
-              </a:rPr>
-              <a:t>Edge</a:t>
-            </a:r>
-          </a:p>
-          <a:p>
-            <a:pPr algn="l"/>
-            <a:r>
-              <a:rPr lang="en-US" sz="1800" b="1" i="0" dirty="0">
-                <a:solidFill>
-                  <a:srgbClr val="0D0D0D"/>
-                </a:solidFill>
-                <a:effectLst/>
-                <a:latin typeface="Rockwell(body)"/>
-              </a:rPr>
-              <a:t>Performance Overview:</a:t>
-            </a:r>
-            <a:endParaRPr lang="en-US" sz="1800" b="0" i="0" dirty="0">
-              <a:solidFill>
-                <a:srgbClr val="0D0D0D"/>
-              </a:solidFill>
-              <a:effectLst/>
-              <a:latin typeface="Rockwell(body)"/>
-            </a:endParaRPr>
-          </a:p>
-          <a:p>
-            <a:pPr lvl="1">
-              <a:buFont typeface="Arial" panose="020B0604020202020204" pitchFamily="34" charset="0"/>
-              <a:buChar char="•"/>
-            </a:pPr>
-            <a:r>
-              <a:rPr lang="en-US" b="0" i="0" dirty="0">
-                <a:solidFill>
-                  <a:srgbClr val="0D0D0D"/>
-                </a:solidFill>
-                <a:effectLst/>
-                <a:latin typeface="Rockwell(body)"/>
-              </a:rPr>
-              <a:t>Overall performance score: 99/100, indicating excellent website performance.</a:t>
-            </a:r>
-          </a:p>
-          <a:p>
-            <a:pPr lvl="1">
-              <a:buFont typeface="Arial" panose="020B0604020202020204" pitchFamily="34" charset="0"/>
-              <a:buChar char="•"/>
-            </a:pPr>
-            <a:r>
-              <a:rPr lang="en-US" b="0" i="0" dirty="0">
-                <a:solidFill>
-                  <a:srgbClr val="0D0D0D"/>
-                </a:solidFill>
-                <a:effectLst/>
-                <a:latin typeface="Rockwell(body)"/>
-              </a:rPr>
-              <a:t>Largest Contentful Paint (LCP): 2.1 seconds, representing the time taken to load the main content. Aim for further improvement if necessary.</a:t>
-            </a:r>
-          </a:p>
-          <a:p>
-            <a:pPr lvl="1">
-              <a:buFont typeface="Arial" panose="020B0604020202020204" pitchFamily="34" charset="0"/>
-              <a:buChar char="•"/>
-            </a:pPr>
-            <a:r>
-              <a:rPr lang="en-US" b="0" i="0" dirty="0">
-                <a:solidFill>
-                  <a:srgbClr val="0D0D0D"/>
-                </a:solidFill>
-                <a:effectLst/>
-                <a:latin typeface="Rockwell(body)"/>
-              </a:rPr>
-              <a:t>First Input Delay (FID): 2 milliseconds, indicating a quick response to user interactions.</a:t>
-            </a:r>
-          </a:p>
-          <a:p>
-            <a:pPr lvl="1">
-              <a:buFont typeface="Arial" panose="020B0604020202020204" pitchFamily="34" charset="0"/>
-              <a:buChar char="•"/>
-            </a:pPr>
-            <a:r>
-              <a:rPr lang="en-US" b="0" i="0" dirty="0">
-                <a:solidFill>
-                  <a:srgbClr val="0D0D0D"/>
-                </a:solidFill>
-                <a:effectLst/>
-                <a:latin typeface="Rockwell(body)"/>
-              </a:rPr>
-              <a:t>Cumulative Layout Shift (CLS): 0.005 seconds, showcasing minimal unexpected layout shifts during page loading.</a:t>
-            </a:r>
-          </a:p>
-          <a:p>
-            <a:pPr marL="0" indent="0">
-              <a:buNone/>
-            </a:pPr>
-            <a:endParaRPr lang="en-US" sz="1800" dirty="0">
-              <a:latin typeface="Rockwell(body)"/>
-            </a:endParaRPr>
-          </a:p>
-        </p:txBody>
-      </p:sp>
+        </p:nvPicPr>
+        <p:blipFill>
+          <a:blip r:embed="rId2">
+            <a:extLst>
+              <a:ext uri="{28A0092B-C50C-407E-A947-70E740481C1C}">
+                <a14:useLocalDpi xmlns:a14="http://schemas.microsoft.com/office/drawing/2010/main" val="0"/>
+              </a:ext>
+            </a:extLst>
+          </a:blip>
+          <a:stretch>
+            <a:fillRect/>
+          </a:stretch>
+        </p:blipFill>
+        <p:spPr>
+          <a:xfrm>
+            <a:off x="1069848" y="1767621"/>
+            <a:ext cx="3629532" cy="2848373"/>
+          </a:xfrm>
+        </p:spPr>
+      </p:pic>
+      <p:pic>
+        <p:nvPicPr>
+          <p:cNvPr id="9" name="Picture 8">
+            <a:extLst>
+              <a:ext uri="{FF2B5EF4-FFF2-40B4-BE49-F238E27FC236}">
+                <a16:creationId xmlns:a16="http://schemas.microsoft.com/office/drawing/2014/main" id="{13712C95-B191-D0C9-AE03-7631C7E449BB}"/>
+              </a:ext>
+            </a:extLst>
+          </p:cNvPr>
+          <p:cNvPicPr>
+            <a:picLocks noChangeAspect="1"/>
+          </p:cNvPicPr>
+          <p:nvPr/>
+        </p:nvPicPr>
+        <p:blipFill>
+          <a:blip r:embed="rId3">
+            <a:extLst>
+              <a:ext uri="{28A0092B-C50C-407E-A947-70E740481C1C}">
+                <a14:useLocalDpi xmlns:a14="http://schemas.microsoft.com/office/drawing/2010/main" val="0"/>
+              </a:ext>
+            </a:extLst>
+          </a:blip>
+          <a:stretch>
+            <a:fillRect/>
+          </a:stretch>
+        </p:blipFill>
+        <p:spPr>
+          <a:xfrm>
+            <a:off x="1069847" y="4647892"/>
+            <a:ext cx="3629531" cy="2210108"/>
+          </a:xfrm>
+          <a:prstGeom prst="rect">
+            <a:avLst/>
+          </a:prstGeom>
+        </p:spPr>
+      </p:pic>
+      <p:pic>
+        <p:nvPicPr>
+          <p:cNvPr id="11" name="Picture 10">
+            <a:extLst>
+              <a:ext uri="{FF2B5EF4-FFF2-40B4-BE49-F238E27FC236}">
+                <a16:creationId xmlns:a16="http://schemas.microsoft.com/office/drawing/2014/main" id="{3E88655E-75D7-6652-92D1-3070F70BC588}"/>
+              </a:ext>
+            </a:extLst>
+          </p:cNvPr>
+          <p:cNvPicPr>
+            <a:picLocks noChangeAspect="1"/>
+          </p:cNvPicPr>
+          <p:nvPr/>
+        </p:nvPicPr>
+        <p:blipFill>
+          <a:blip r:embed="rId4">
+            <a:extLst>
+              <a:ext uri="{28A0092B-C50C-407E-A947-70E740481C1C}">
+                <a14:useLocalDpi xmlns:a14="http://schemas.microsoft.com/office/drawing/2010/main" val="0"/>
+              </a:ext>
+            </a:extLst>
+          </a:blip>
+          <a:stretch>
+            <a:fillRect/>
+          </a:stretch>
+        </p:blipFill>
+        <p:spPr>
+          <a:xfrm>
+            <a:off x="5257366" y="3250742"/>
+            <a:ext cx="6754953" cy="2848373"/>
+          </a:xfrm>
+          <a:prstGeom prst="rect">
+            <a:avLst/>
+          </a:prstGeom>
+        </p:spPr>
+      </p:pic>
     </p:spTree>
     <p:extLst>
       <p:ext uri="{BB962C8B-B14F-4D97-AF65-F5344CB8AC3E}">
-        <p14:creationId xmlns:p14="http://schemas.microsoft.com/office/powerpoint/2010/main" val="23319912"/>
+        <p14:creationId xmlns:p14="http://schemas.microsoft.com/office/powerpoint/2010/main" val="3063169287"/>
       </p:ext>
     </p:extLst>
   </p:cSld>
